--- a/climbersbetaproposal.pptx
+++ b/climbersbetaproposal.pptx
@@ -2,15 +2,15 @@
 <file path=ppt/presentation.xml><?xml version="1.0" encoding="utf-8"?>
 <p:presentation xmlns:a="http://schemas.openxmlformats.org/drawingml/2006/main" xmlns:r="http://schemas.openxmlformats.org/officeDocument/2006/relationships" xmlns:p="http://schemas.openxmlformats.org/presentationml/2006/main" saveSubsetFonts="1">
   <p:sldMasterIdLst>
-    <p:sldMasterId id="2147483648" r:id="rId1"/>
+    <p:sldMasterId id="2147483886" r:id="rId1"/>
   </p:sldMasterIdLst>
   <p:sldIdLst>
     <p:sldId id="256" r:id="rId2"/>
     <p:sldId id="259" r:id="rId3"/>
-    <p:sldId id="258" r:id="rId4"/>
+    <p:sldId id="264" r:id="rId4"/>
     <p:sldId id="260" r:id="rId5"/>
     <p:sldId id="262" r:id="rId6"/>
-    <p:sldId id="261" r:id="rId7"/>
+    <p:sldId id="265" r:id="rId7"/>
     <p:sldId id="263" r:id="rId8"/>
   </p:sldIdLst>
   <p:sldSz cx="12192000" cy="6858000"/>
@@ -19,7 +19,7 @@
     <a:defPPr>
       <a:defRPr lang="en-US"/>
     </a:defPPr>
-    <a:lvl1pPr marL="0" algn="l" defTabSz="914400" rtl="0" eaLnBrk="1" latinLnBrk="0" hangingPunct="1">
+    <a:lvl1pPr marL="0" algn="l" defTabSz="457200" rtl="0" eaLnBrk="1" latinLnBrk="0" hangingPunct="1">
       <a:defRPr sz="1800" kern="1200">
         <a:solidFill>
           <a:schemeClr val="tx1"/>
@@ -29,7 +29,7 @@
         <a:cs typeface="+mn-cs"/>
       </a:defRPr>
     </a:lvl1pPr>
-    <a:lvl2pPr marL="457200" algn="l" defTabSz="914400" rtl="0" eaLnBrk="1" latinLnBrk="0" hangingPunct="1">
+    <a:lvl2pPr marL="457200" algn="l" defTabSz="457200" rtl="0" eaLnBrk="1" latinLnBrk="0" hangingPunct="1">
       <a:defRPr sz="1800" kern="1200">
         <a:solidFill>
           <a:schemeClr val="tx1"/>
@@ -39,7 +39,7 @@
         <a:cs typeface="+mn-cs"/>
       </a:defRPr>
     </a:lvl2pPr>
-    <a:lvl3pPr marL="914400" algn="l" defTabSz="914400" rtl="0" eaLnBrk="1" latinLnBrk="0" hangingPunct="1">
+    <a:lvl3pPr marL="914400" algn="l" defTabSz="457200" rtl="0" eaLnBrk="1" latinLnBrk="0" hangingPunct="1">
       <a:defRPr sz="1800" kern="1200">
         <a:solidFill>
           <a:schemeClr val="tx1"/>
@@ -49,7 +49,7 @@
         <a:cs typeface="+mn-cs"/>
       </a:defRPr>
     </a:lvl3pPr>
-    <a:lvl4pPr marL="1371600" algn="l" defTabSz="914400" rtl="0" eaLnBrk="1" latinLnBrk="0" hangingPunct="1">
+    <a:lvl4pPr marL="1371600" algn="l" defTabSz="457200" rtl="0" eaLnBrk="1" latinLnBrk="0" hangingPunct="1">
       <a:defRPr sz="1800" kern="1200">
         <a:solidFill>
           <a:schemeClr val="tx1"/>
@@ -59,7 +59,7 @@
         <a:cs typeface="+mn-cs"/>
       </a:defRPr>
     </a:lvl4pPr>
-    <a:lvl5pPr marL="1828800" algn="l" defTabSz="914400" rtl="0" eaLnBrk="1" latinLnBrk="0" hangingPunct="1">
+    <a:lvl5pPr marL="1828800" algn="l" defTabSz="457200" rtl="0" eaLnBrk="1" latinLnBrk="0" hangingPunct="1">
       <a:defRPr sz="1800" kern="1200">
         <a:solidFill>
           <a:schemeClr val="tx1"/>
@@ -69,7 +69,7 @@
         <a:cs typeface="+mn-cs"/>
       </a:defRPr>
     </a:lvl5pPr>
-    <a:lvl6pPr marL="2286000" algn="l" defTabSz="914400" rtl="0" eaLnBrk="1" latinLnBrk="0" hangingPunct="1">
+    <a:lvl6pPr marL="2286000" algn="l" defTabSz="457200" rtl="0" eaLnBrk="1" latinLnBrk="0" hangingPunct="1">
       <a:defRPr sz="1800" kern="1200">
         <a:solidFill>
           <a:schemeClr val="tx1"/>
@@ -79,7 +79,7 @@
         <a:cs typeface="+mn-cs"/>
       </a:defRPr>
     </a:lvl6pPr>
-    <a:lvl7pPr marL="2743200" algn="l" defTabSz="914400" rtl="0" eaLnBrk="1" latinLnBrk="0" hangingPunct="1">
+    <a:lvl7pPr marL="2743200" algn="l" defTabSz="457200" rtl="0" eaLnBrk="1" latinLnBrk="0" hangingPunct="1">
       <a:defRPr sz="1800" kern="1200">
         <a:solidFill>
           <a:schemeClr val="tx1"/>
@@ -89,7 +89,7 @@
         <a:cs typeface="+mn-cs"/>
       </a:defRPr>
     </a:lvl7pPr>
-    <a:lvl8pPr marL="3200400" algn="l" defTabSz="914400" rtl="0" eaLnBrk="1" latinLnBrk="0" hangingPunct="1">
+    <a:lvl8pPr marL="3200400" algn="l" defTabSz="457200" rtl="0" eaLnBrk="1" latinLnBrk="0" hangingPunct="1">
       <a:defRPr sz="1800" kern="1200">
         <a:solidFill>
           <a:schemeClr val="tx1"/>
@@ -99,7 +99,7 @@
         <a:cs typeface="+mn-cs"/>
       </a:defRPr>
     </a:lvl8pPr>
-    <a:lvl9pPr marL="3657600" algn="l" defTabSz="914400" rtl="0" eaLnBrk="1" latinLnBrk="0" hangingPunct="1">
+    <a:lvl9pPr marL="3657600" algn="l" defTabSz="457200" rtl="0" eaLnBrk="1" latinLnBrk="0" hangingPunct="1">
       <a:defRPr sz="1800" kern="1200">
         <a:solidFill>
           <a:schemeClr val="tx1"/>
@@ -132,31 +132,76 @@
       </p:grpSpPr>
       <p:sp>
         <p:nvSpPr>
-          <p:cNvPr id="2" name="Title 1">
-            <a:extLst>
-              <a:ext uri="{FF2B5EF4-FFF2-40B4-BE49-F238E27FC236}">
-                <a16:creationId xmlns:a16="http://schemas.microsoft.com/office/drawing/2014/main" id="{1DC99879-E17D-4C1B-A869-290E5AEC2260}"/>
-              </a:ext>
-            </a:extLst>
-          </p:cNvPr>
-          <p:cNvSpPr>
-            <a:spLocks noGrp="1"/>
-          </p:cNvSpPr>
-          <p:nvPr>
-            <p:ph type="ctrTitle"/>
-          </p:nvPr>
+          <p:cNvPr id="7" name="Rectangle 6"/>
+          <p:cNvSpPr>
+            <a:spLocks noChangeAspect="1"/>
+          </p:cNvSpPr>
+          <p:nvPr/>
         </p:nvSpPr>
         <p:spPr>
           <a:xfrm>
-            <a:off x="1524000" y="1122363"/>
-            <a:ext cx="9144000" cy="2387600"/>
+            <a:off x="231140" y="243840"/>
+            <a:ext cx="11724640" cy="6377939"/>
+          </a:xfrm>
+          <a:prstGeom prst="rect">
+            <a:avLst/>
+          </a:prstGeom>
+          <a:solidFill>
+            <a:schemeClr val="accent1"/>
+          </a:solidFill>
+          <a:ln w="12700">
+            <a:solidFill>
+              <a:srgbClr val="FFFFFF"/>
+            </a:solidFill>
+          </a:ln>
+        </p:spPr>
+        <p:style>
+          <a:lnRef idx="2">
+            <a:schemeClr val="accent1">
+              <a:shade val="50000"/>
+            </a:schemeClr>
+          </a:lnRef>
+          <a:fillRef idx="1">
+            <a:schemeClr val="accent1"/>
+          </a:fillRef>
+          <a:effectRef idx="0">
+            <a:schemeClr val="accent1"/>
+          </a:effectRef>
+          <a:fontRef idx="minor">
+            <a:schemeClr val="lt1"/>
+          </a:fontRef>
+        </p:style>
+      </p:sp>
+      <p:sp>
+        <p:nvSpPr>
+          <p:cNvPr id="2" name="Title 1"/>
+          <p:cNvSpPr>
+            <a:spLocks noGrp="1"/>
+          </p:cNvSpPr>
+          <p:nvPr>
+            <p:ph type="ctrTitle"/>
+          </p:nvPr>
+        </p:nvSpPr>
+        <p:spPr>
+          <a:xfrm>
+            <a:off x="1109980" y="882376"/>
+            <a:ext cx="9966960" cy="2926080"/>
           </a:xfrm>
         </p:spPr>
         <p:txBody>
-          <a:bodyPr anchor="b"/>
+          <a:bodyPr anchor="b">
+            <a:normAutofit/>
+          </a:bodyPr>
           <a:lstStyle>
             <a:lvl1pPr algn="ctr">
-              <a:defRPr sz="6000"/>
+              <a:lnSpc>
+                <a:spcPct val="85000"/>
+              </a:lnSpc>
+              <a:defRPr sz="7200" b="1" cap="all" baseline="0">
+                <a:solidFill>
+                  <a:srgbClr val="FFFFFF"/>
+                </a:solidFill>
+              </a:defRPr>
             </a:lvl1pPr>
           </a:lstStyle>
           <a:p>
@@ -164,18 +209,13 @@
               <a:rPr lang="en-US"/>
               <a:t>Click to edit Master title style</a:t>
             </a:r>
-          </a:p>
-        </p:txBody>
-      </p:sp>
-      <p:sp>
-        <p:nvSpPr>
-          <p:cNvPr id="3" name="Subtitle 2">
-            <a:extLst>
-              <a:ext uri="{FF2B5EF4-FFF2-40B4-BE49-F238E27FC236}">
-                <a16:creationId xmlns:a16="http://schemas.microsoft.com/office/drawing/2014/main" id="{958154D8-6E5A-4907-B497-59BC937A3D91}"/>
-              </a:ext>
-            </a:extLst>
-          </p:cNvPr>
+            <a:endParaRPr lang="en-US" dirty="0"/>
+          </a:p>
+        </p:txBody>
+      </p:sp>
+      <p:sp>
+        <p:nvSpPr>
+          <p:cNvPr id="3" name="Subtitle 2"/>
           <p:cNvSpPr>
             <a:spLocks noGrp="1"/>
           </p:cNvSpPr>
@@ -185,48 +225,54 @@
         </p:nvSpPr>
         <p:spPr>
           <a:xfrm>
-            <a:off x="1524000" y="3602038"/>
-            <a:ext cx="9144000" cy="1655762"/>
+            <a:off x="1709530" y="3869634"/>
+            <a:ext cx="8767860" cy="1388165"/>
           </a:xfrm>
         </p:spPr>
         <p:txBody>
-          <a:bodyPr/>
+          <a:bodyPr>
+            <a:normAutofit/>
+          </a:bodyPr>
           <a:lstStyle>
             <a:lvl1pPr marL="0" indent="0" algn="ctr">
               <a:buNone/>
-              <a:defRPr sz="2400"/>
+              <a:defRPr sz="2200">
+                <a:solidFill>
+                  <a:srgbClr val="FFFFFF"/>
+                </a:solidFill>
+              </a:defRPr>
             </a:lvl1pPr>
             <a:lvl2pPr marL="457200" indent="0" algn="ctr">
               <a:buNone/>
-              <a:defRPr sz="2000"/>
+              <a:defRPr sz="2200"/>
             </a:lvl2pPr>
             <a:lvl3pPr marL="914400" indent="0" algn="ctr">
               <a:buNone/>
-              <a:defRPr sz="1800"/>
+              <a:defRPr sz="2200"/>
             </a:lvl3pPr>
             <a:lvl4pPr marL="1371600" indent="0" algn="ctr">
               <a:buNone/>
-              <a:defRPr sz="1600"/>
+              <a:defRPr sz="2000"/>
             </a:lvl4pPr>
             <a:lvl5pPr marL="1828800" indent="0" algn="ctr">
               <a:buNone/>
-              <a:defRPr sz="1600"/>
+              <a:defRPr sz="2000"/>
             </a:lvl5pPr>
             <a:lvl6pPr marL="2286000" indent="0" algn="ctr">
               <a:buNone/>
-              <a:defRPr sz="1600"/>
+              <a:defRPr sz="2000"/>
             </a:lvl6pPr>
             <a:lvl7pPr marL="2743200" indent="0" algn="ctr">
               <a:buNone/>
-              <a:defRPr sz="1600"/>
+              <a:defRPr sz="2000"/>
             </a:lvl7pPr>
             <a:lvl8pPr marL="3200400" indent="0" algn="ctr">
               <a:buNone/>
-              <a:defRPr sz="1600"/>
+              <a:defRPr sz="2000"/>
             </a:lvl8pPr>
             <a:lvl9pPr marL="3657600" indent="0" algn="ctr">
               <a:buNone/>
-              <a:defRPr sz="1600"/>
+              <a:defRPr sz="2000"/>
             </a:lvl9pPr>
           </a:lstStyle>
           <a:p>
@@ -234,18 +280,13 @@
               <a:rPr lang="en-US"/>
               <a:t>Click to edit Master subtitle style</a:t>
             </a:r>
-          </a:p>
-        </p:txBody>
-      </p:sp>
-      <p:sp>
-        <p:nvSpPr>
-          <p:cNvPr id="4" name="Date Placeholder 3">
-            <a:extLst>
-              <a:ext uri="{FF2B5EF4-FFF2-40B4-BE49-F238E27FC236}">
-                <a16:creationId xmlns:a16="http://schemas.microsoft.com/office/drawing/2014/main" id="{BBFC3AD2-D5ED-415F-A61A-0509F01A05DD}"/>
-              </a:ext>
-            </a:extLst>
-          </p:cNvPr>
+            <a:endParaRPr lang="en-US" dirty="0"/>
+          </a:p>
+        </p:txBody>
+      </p:sp>
+      <p:sp>
+        <p:nvSpPr>
+          <p:cNvPr id="4" name="Date Placeholder 3"/>
           <p:cNvSpPr>
             <a:spLocks noGrp="1"/>
           </p:cNvSpPr>
@@ -256,7 +297,15 @@
         <p:spPr/>
         <p:txBody>
           <a:bodyPr/>
-          <a:lstStyle/>
+          <a:lstStyle>
+            <a:lvl1pPr>
+              <a:defRPr>
+                <a:solidFill>
+                  <a:srgbClr val="FFFFFF"/>
+                </a:solidFill>
+              </a:defRPr>
+            </a:lvl1pPr>
+          </a:lstStyle>
           <a:p>
             <a:fld id="{233292A5-8A0C-4CF1-90C3-704E0EE63730}" type="datetimeFigureOut">
               <a:rPr lang="en-US" smtClean="0"/>
@@ -268,13 +317,7 @@
       </p:sp>
       <p:sp>
         <p:nvSpPr>
-          <p:cNvPr id="5" name="Footer Placeholder 4">
-            <a:extLst>
-              <a:ext uri="{FF2B5EF4-FFF2-40B4-BE49-F238E27FC236}">
-                <a16:creationId xmlns:a16="http://schemas.microsoft.com/office/drawing/2014/main" id="{7EB19E48-D555-400F-A230-55D374765F4A}"/>
-              </a:ext>
-            </a:extLst>
-          </p:cNvPr>
+          <p:cNvPr id="5" name="Footer Placeholder 4"/>
           <p:cNvSpPr>
             <a:spLocks noGrp="1"/>
           </p:cNvSpPr>
@@ -285,7 +328,15 @@
         <p:spPr/>
         <p:txBody>
           <a:bodyPr/>
-          <a:lstStyle/>
+          <a:lstStyle>
+            <a:lvl1pPr>
+              <a:defRPr>
+                <a:solidFill>
+                  <a:srgbClr val="FFFFFF"/>
+                </a:solidFill>
+              </a:defRPr>
+            </a:lvl1pPr>
+          </a:lstStyle>
           <a:p>
             <a:endParaRPr lang="en-US"/>
           </a:p>
@@ -293,13 +344,7 @@
       </p:sp>
       <p:sp>
         <p:nvSpPr>
-          <p:cNvPr id="6" name="Slide Number Placeholder 5">
-            <a:extLst>
-              <a:ext uri="{FF2B5EF4-FFF2-40B4-BE49-F238E27FC236}">
-                <a16:creationId xmlns:a16="http://schemas.microsoft.com/office/drawing/2014/main" id="{6E2196B9-93BC-4EC6-A6F3-ADCB6F80E1C9}"/>
-              </a:ext>
-            </a:extLst>
-          </p:cNvPr>
+          <p:cNvPr id="6" name="Slide Number Placeholder 5"/>
           <p:cNvSpPr>
             <a:spLocks noGrp="1"/>
           </p:cNvSpPr>
@@ -310,7 +355,15 @@
         <p:spPr/>
         <p:txBody>
           <a:bodyPr/>
-          <a:lstStyle/>
+          <a:lstStyle>
+            <a:lvl1pPr>
+              <a:defRPr>
+                <a:solidFill>
+                  <a:srgbClr val="FFFFFF"/>
+                </a:solidFill>
+              </a:defRPr>
+            </a:lvl1pPr>
+          </a:lstStyle>
           <a:p>
             <a:fld id="{0BF3A763-CAE8-4879-8F12-69593732B3C9}" type="slidenum">
               <a:rPr lang="en-US" smtClean="0"/>
@@ -320,16 +373,56 @@
           </a:p>
         </p:txBody>
       </p:sp>
+      <p:cxnSp>
+        <p:nvCxnSpPr>
+          <p:cNvPr id="8" name="Straight Connector 7"/>
+          <p:cNvCxnSpPr/>
+          <p:nvPr/>
+        </p:nvCxnSpPr>
+        <p:spPr>
+          <a:xfrm>
+            <a:off x="1978660" y="3733800"/>
+            <a:ext cx="8229601" cy="0"/>
+          </a:xfrm>
+          <a:prstGeom prst="line">
+            <a:avLst/>
+          </a:prstGeom>
+          <a:ln>
+            <a:solidFill>
+              <a:srgbClr val="FFFFFF"/>
+            </a:solidFill>
+          </a:ln>
+        </p:spPr>
+        <p:style>
+          <a:lnRef idx="1">
+            <a:schemeClr val="accent1"/>
+          </a:lnRef>
+          <a:fillRef idx="0">
+            <a:schemeClr val="accent1"/>
+          </a:fillRef>
+          <a:effectRef idx="0">
+            <a:schemeClr val="accent1"/>
+          </a:effectRef>
+          <a:fontRef idx="minor">
+            <a:schemeClr val="tx1"/>
+          </a:fontRef>
+        </p:style>
+      </p:cxnSp>
     </p:spTree>
     <p:extLst>
       <p:ext uri="{BB962C8B-B14F-4D97-AF65-F5344CB8AC3E}">
-        <p14:creationId xmlns:p14="http://schemas.microsoft.com/office/powerpoint/2010/main" val="1541398462"/>
+        <p14:creationId xmlns:p14="http://schemas.microsoft.com/office/powerpoint/2010/main" val="3382752342"/>
       </p:ext>
     </p:extLst>
   </p:cSld>
   <p:clrMapOvr>
     <a:masterClrMapping/>
   </p:clrMapOvr>
+  <p:extLst>
+    <p:ext uri="{DCECCB84-F9BA-43D5-87BE-67443E8EF086}">
+      <p15:sldGuideLst xmlns:p15="http://schemas.microsoft.com/office/powerpoint/2012/main"/>
+    </p:ext>
+  </p:extLst>
 </p:sldLayout>
 </file>
 
@@ -352,13 +445,7 @@
       </p:grpSpPr>
       <p:sp>
         <p:nvSpPr>
-          <p:cNvPr id="2" name="Title 1">
-            <a:extLst>
-              <a:ext uri="{FF2B5EF4-FFF2-40B4-BE49-F238E27FC236}">
-                <a16:creationId xmlns:a16="http://schemas.microsoft.com/office/drawing/2014/main" id="{5AF78ACA-A8A3-4FB3-934D-1EDD03DD1C96}"/>
-              </a:ext>
-            </a:extLst>
-          </p:cNvPr>
+          <p:cNvPr id="2" name="Title 1"/>
           <p:cNvSpPr>
             <a:spLocks noGrp="1"/>
           </p:cNvSpPr>
@@ -375,18 +462,13 @@
               <a:rPr lang="en-US"/>
               <a:t>Click to edit Master title style</a:t>
             </a:r>
-          </a:p>
-        </p:txBody>
-      </p:sp>
-      <p:sp>
-        <p:nvSpPr>
-          <p:cNvPr id="3" name="Vertical Text Placeholder 2">
-            <a:extLst>
-              <a:ext uri="{FF2B5EF4-FFF2-40B4-BE49-F238E27FC236}">
-                <a16:creationId xmlns:a16="http://schemas.microsoft.com/office/drawing/2014/main" id="{0655873E-2A2C-43D7-BBD8-7E769A7FFA0E}"/>
-              </a:ext>
-            </a:extLst>
-          </p:cNvPr>
+            <a:endParaRPr lang="en-US" dirty="0"/>
+          </a:p>
+        </p:txBody>
+      </p:sp>
+      <p:sp>
+        <p:nvSpPr>
+          <p:cNvPr id="3" name="Vertical Text Placeholder 2"/>
           <p:cNvSpPr>
             <a:spLocks noGrp="1"/>
           </p:cNvSpPr>
@@ -432,18 +514,13 @@
               <a:rPr lang="en-US"/>
               <a:t>Fifth level</a:t>
             </a:r>
-          </a:p>
-        </p:txBody>
-      </p:sp>
-      <p:sp>
-        <p:nvSpPr>
-          <p:cNvPr id="4" name="Date Placeholder 3">
-            <a:extLst>
-              <a:ext uri="{FF2B5EF4-FFF2-40B4-BE49-F238E27FC236}">
-                <a16:creationId xmlns:a16="http://schemas.microsoft.com/office/drawing/2014/main" id="{74B40763-B1AC-411B-8E4C-760AC1AE95C3}"/>
-              </a:ext>
-            </a:extLst>
-          </p:cNvPr>
+            <a:endParaRPr lang="en-US" dirty="0"/>
+          </a:p>
+        </p:txBody>
+      </p:sp>
+      <p:sp>
+        <p:nvSpPr>
+          <p:cNvPr id="4" name="Date Placeholder 3"/>
           <p:cNvSpPr>
             <a:spLocks noGrp="1"/>
           </p:cNvSpPr>
@@ -466,13 +543,7 @@
       </p:sp>
       <p:sp>
         <p:nvSpPr>
-          <p:cNvPr id="5" name="Footer Placeholder 4">
-            <a:extLst>
-              <a:ext uri="{FF2B5EF4-FFF2-40B4-BE49-F238E27FC236}">
-                <a16:creationId xmlns:a16="http://schemas.microsoft.com/office/drawing/2014/main" id="{E15DA63A-0EEA-4894-90E0-466A3CC581A7}"/>
-              </a:ext>
-            </a:extLst>
-          </p:cNvPr>
+          <p:cNvPr id="5" name="Footer Placeholder 4"/>
           <p:cNvSpPr>
             <a:spLocks noGrp="1"/>
           </p:cNvSpPr>
@@ -491,13 +562,7 @@
       </p:sp>
       <p:sp>
         <p:nvSpPr>
-          <p:cNvPr id="6" name="Slide Number Placeholder 5">
-            <a:extLst>
-              <a:ext uri="{FF2B5EF4-FFF2-40B4-BE49-F238E27FC236}">
-                <a16:creationId xmlns:a16="http://schemas.microsoft.com/office/drawing/2014/main" id="{40E37B18-9713-4A83-B9FD-7CD0AC40439D}"/>
-              </a:ext>
-            </a:extLst>
-          </p:cNvPr>
+          <p:cNvPr id="6" name="Slide Number Placeholder 5"/>
           <p:cNvSpPr>
             <a:spLocks noGrp="1"/>
           </p:cNvSpPr>
@@ -521,7 +586,7 @@
     </p:spTree>
     <p:extLst>
       <p:ext uri="{BB962C8B-B14F-4D97-AF65-F5344CB8AC3E}">
-        <p14:creationId xmlns:p14="http://schemas.microsoft.com/office/powerpoint/2010/main" val="21326465"/>
+        <p14:creationId xmlns:p14="http://schemas.microsoft.com/office/powerpoint/2010/main" val="1760615402"/>
       </p:ext>
     </p:extLst>
   </p:cSld>
@@ -550,13 +615,7 @@
       </p:grpSpPr>
       <p:sp>
         <p:nvSpPr>
-          <p:cNvPr id="2" name="Vertical Title 1">
-            <a:extLst>
-              <a:ext uri="{FF2B5EF4-FFF2-40B4-BE49-F238E27FC236}">
-                <a16:creationId xmlns:a16="http://schemas.microsoft.com/office/drawing/2014/main" id="{7093226D-9E32-45A0-8E6A-65B9D54B593E}"/>
-              </a:ext>
-            </a:extLst>
-          </p:cNvPr>
+          <p:cNvPr id="2" name="Vertical Title 1"/>
           <p:cNvSpPr>
             <a:spLocks noGrp="1"/>
           </p:cNvSpPr>
@@ -566,8 +625,8 @@
         </p:nvSpPr>
         <p:spPr>
           <a:xfrm>
-            <a:off x="8724900" y="365125"/>
-            <a:ext cx="2628900" cy="5811838"/>
+            <a:off x="8724900" y="762000"/>
+            <a:ext cx="2324100" cy="5410200"/>
           </a:xfrm>
         </p:spPr>
         <p:txBody>
@@ -578,18 +637,13 @@
               <a:rPr lang="en-US"/>
               <a:t>Click to edit Master title style</a:t>
             </a:r>
-          </a:p>
-        </p:txBody>
-      </p:sp>
-      <p:sp>
-        <p:nvSpPr>
-          <p:cNvPr id="3" name="Vertical Text Placeholder 2">
-            <a:extLst>
-              <a:ext uri="{FF2B5EF4-FFF2-40B4-BE49-F238E27FC236}">
-                <a16:creationId xmlns:a16="http://schemas.microsoft.com/office/drawing/2014/main" id="{25DE85B9-E2E3-4D5E-BF65-BA03A19AF610}"/>
-              </a:ext>
-            </a:extLst>
-          </p:cNvPr>
+            <a:endParaRPr lang="en-US" dirty="0"/>
+          </a:p>
+        </p:txBody>
+      </p:sp>
+      <p:sp>
+        <p:nvSpPr>
+          <p:cNvPr id="3" name="Vertical Text Placeholder 2"/>
           <p:cNvSpPr>
             <a:spLocks noGrp="1"/>
           </p:cNvSpPr>
@@ -599,8 +653,8 @@
         </p:nvSpPr>
         <p:spPr>
           <a:xfrm>
-            <a:off x="838200" y="365125"/>
-            <a:ext cx="7734300" cy="5811838"/>
+            <a:off x="1143000" y="762000"/>
+            <a:ext cx="7429500" cy="5410200"/>
           </a:xfrm>
         </p:spPr>
         <p:txBody>
@@ -640,18 +694,13 @@
               <a:rPr lang="en-US"/>
               <a:t>Fifth level</a:t>
             </a:r>
-          </a:p>
-        </p:txBody>
-      </p:sp>
-      <p:sp>
-        <p:nvSpPr>
-          <p:cNvPr id="4" name="Date Placeholder 3">
-            <a:extLst>
-              <a:ext uri="{FF2B5EF4-FFF2-40B4-BE49-F238E27FC236}">
-                <a16:creationId xmlns:a16="http://schemas.microsoft.com/office/drawing/2014/main" id="{1780C660-AAD8-42AB-BB5F-685A8170EDB7}"/>
-              </a:ext>
-            </a:extLst>
-          </p:cNvPr>
+            <a:endParaRPr lang="en-US" dirty="0"/>
+          </a:p>
+        </p:txBody>
+      </p:sp>
+      <p:sp>
+        <p:nvSpPr>
+          <p:cNvPr id="4" name="Date Placeholder 3"/>
           <p:cNvSpPr>
             <a:spLocks noGrp="1"/>
           </p:cNvSpPr>
@@ -674,13 +723,7 @@
       </p:sp>
       <p:sp>
         <p:nvSpPr>
-          <p:cNvPr id="5" name="Footer Placeholder 4">
-            <a:extLst>
-              <a:ext uri="{FF2B5EF4-FFF2-40B4-BE49-F238E27FC236}">
-                <a16:creationId xmlns:a16="http://schemas.microsoft.com/office/drawing/2014/main" id="{46AB7A59-D6FD-464D-BF1E-36C98E24CAD3}"/>
-              </a:ext>
-            </a:extLst>
-          </p:cNvPr>
+          <p:cNvPr id="5" name="Footer Placeholder 4"/>
           <p:cNvSpPr>
             <a:spLocks noGrp="1"/>
           </p:cNvSpPr>
@@ -699,13 +742,7 @@
       </p:sp>
       <p:sp>
         <p:nvSpPr>
-          <p:cNvPr id="6" name="Slide Number Placeholder 5">
-            <a:extLst>
-              <a:ext uri="{FF2B5EF4-FFF2-40B4-BE49-F238E27FC236}">
-                <a16:creationId xmlns:a16="http://schemas.microsoft.com/office/drawing/2014/main" id="{DA4BE923-51DE-4014-9F61-7811C32CC127}"/>
-              </a:ext>
-            </a:extLst>
-          </p:cNvPr>
+          <p:cNvPr id="6" name="Slide Number Placeholder 5"/>
           <p:cNvSpPr>
             <a:spLocks noGrp="1"/>
           </p:cNvSpPr>
@@ -729,7 +766,7 @@
     </p:spTree>
     <p:extLst>
       <p:ext uri="{BB962C8B-B14F-4D97-AF65-F5344CB8AC3E}">
-        <p14:creationId xmlns:p14="http://schemas.microsoft.com/office/powerpoint/2010/main" val="2781793113"/>
+        <p14:creationId xmlns:p14="http://schemas.microsoft.com/office/powerpoint/2010/main" val="2358669048"/>
       </p:ext>
     </p:extLst>
   </p:cSld>
@@ -758,13 +795,7 @@
       </p:grpSpPr>
       <p:sp>
         <p:nvSpPr>
-          <p:cNvPr id="2" name="Title 1">
-            <a:extLst>
-              <a:ext uri="{FF2B5EF4-FFF2-40B4-BE49-F238E27FC236}">
-                <a16:creationId xmlns:a16="http://schemas.microsoft.com/office/drawing/2014/main" id="{74DA1E3E-A928-485A-A8B3-ED03925CB96E}"/>
-              </a:ext>
-            </a:extLst>
-          </p:cNvPr>
+          <p:cNvPr id="2" name="Title 1"/>
           <p:cNvSpPr>
             <a:spLocks noGrp="1"/>
           </p:cNvSpPr>
@@ -781,18 +812,13 @@
               <a:rPr lang="en-US"/>
               <a:t>Click to edit Master title style</a:t>
             </a:r>
-          </a:p>
-        </p:txBody>
-      </p:sp>
-      <p:sp>
-        <p:nvSpPr>
-          <p:cNvPr id="3" name="Content Placeholder 2">
-            <a:extLst>
-              <a:ext uri="{FF2B5EF4-FFF2-40B4-BE49-F238E27FC236}">
-                <a16:creationId xmlns:a16="http://schemas.microsoft.com/office/drawing/2014/main" id="{357A5148-333E-41AD-9F12-3F6597545AF5}"/>
-              </a:ext>
-            </a:extLst>
-          </p:cNvPr>
+            <a:endParaRPr lang="en-US" dirty="0"/>
+          </a:p>
+        </p:txBody>
+      </p:sp>
+      <p:sp>
+        <p:nvSpPr>
+          <p:cNvPr id="3" name="Content Placeholder 2"/>
           <p:cNvSpPr>
             <a:spLocks noGrp="1"/>
           </p:cNvSpPr>
@@ -838,18 +864,13 @@
               <a:rPr lang="en-US"/>
               <a:t>Fifth level</a:t>
             </a:r>
-          </a:p>
-        </p:txBody>
-      </p:sp>
-      <p:sp>
-        <p:nvSpPr>
-          <p:cNvPr id="4" name="Date Placeholder 3">
-            <a:extLst>
-              <a:ext uri="{FF2B5EF4-FFF2-40B4-BE49-F238E27FC236}">
-                <a16:creationId xmlns:a16="http://schemas.microsoft.com/office/drawing/2014/main" id="{24C7E747-FC20-49B8-A1F5-131DF9E8EB79}"/>
-              </a:ext>
-            </a:extLst>
-          </p:cNvPr>
+            <a:endParaRPr lang="en-US" dirty="0"/>
+          </a:p>
+        </p:txBody>
+      </p:sp>
+      <p:sp>
+        <p:nvSpPr>
+          <p:cNvPr id="4" name="Date Placeholder 3"/>
           <p:cNvSpPr>
             <a:spLocks noGrp="1"/>
           </p:cNvSpPr>
@@ -872,13 +893,7 @@
       </p:sp>
       <p:sp>
         <p:nvSpPr>
-          <p:cNvPr id="5" name="Footer Placeholder 4">
-            <a:extLst>
-              <a:ext uri="{FF2B5EF4-FFF2-40B4-BE49-F238E27FC236}">
-                <a16:creationId xmlns:a16="http://schemas.microsoft.com/office/drawing/2014/main" id="{14A50A78-D170-40DA-8E4F-1470EF6EAFA8}"/>
-              </a:ext>
-            </a:extLst>
-          </p:cNvPr>
+          <p:cNvPr id="5" name="Footer Placeholder 4"/>
           <p:cNvSpPr>
             <a:spLocks noGrp="1"/>
           </p:cNvSpPr>
@@ -897,13 +912,7 @@
       </p:sp>
       <p:sp>
         <p:nvSpPr>
-          <p:cNvPr id="6" name="Slide Number Placeholder 5">
-            <a:extLst>
-              <a:ext uri="{FF2B5EF4-FFF2-40B4-BE49-F238E27FC236}">
-                <a16:creationId xmlns:a16="http://schemas.microsoft.com/office/drawing/2014/main" id="{B149199B-7AB1-46DC-B437-E916C5641342}"/>
-              </a:ext>
-            </a:extLst>
-          </p:cNvPr>
+          <p:cNvPr id="6" name="Slide Number Placeholder 5"/>
           <p:cNvSpPr>
             <a:spLocks noGrp="1"/>
           </p:cNvSpPr>
@@ -927,7 +936,7 @@
     </p:spTree>
     <p:extLst>
       <p:ext uri="{BB962C8B-B14F-4D97-AF65-F5344CB8AC3E}">
-        <p14:creationId xmlns:p14="http://schemas.microsoft.com/office/powerpoint/2010/main" val="592388596"/>
+        <p14:creationId xmlns:p14="http://schemas.microsoft.com/office/powerpoint/2010/main" val="2105193015"/>
       </p:ext>
     </p:extLst>
   </p:cSld>
@@ -956,13 +965,7 @@
       </p:grpSpPr>
       <p:sp>
         <p:nvSpPr>
-          <p:cNvPr id="2" name="Title 1">
-            <a:extLst>
-              <a:ext uri="{FF2B5EF4-FFF2-40B4-BE49-F238E27FC236}">
-                <a16:creationId xmlns:a16="http://schemas.microsoft.com/office/drawing/2014/main" id="{EACBE193-B431-4799-BDF0-50710AAAAEB1}"/>
-              </a:ext>
-            </a:extLst>
-          </p:cNvPr>
+          <p:cNvPr id="2" name="Title 1"/>
           <p:cNvSpPr>
             <a:spLocks noGrp="1"/>
           </p:cNvSpPr>
@@ -972,15 +975,20 @@
         </p:nvSpPr>
         <p:spPr>
           <a:xfrm>
-            <a:off x="831850" y="1709738"/>
-            <a:ext cx="10515600" cy="2852737"/>
+            <a:off x="1106424" y="1173575"/>
+            <a:ext cx="9966960" cy="2926080"/>
           </a:xfrm>
         </p:spPr>
         <p:txBody>
-          <a:bodyPr anchor="b"/>
+          <a:bodyPr anchor="b">
+            <a:noAutofit/>
+          </a:bodyPr>
           <a:lstStyle>
-            <a:lvl1pPr>
-              <a:defRPr sz="6000"/>
+            <a:lvl1pPr algn="ctr">
+              <a:lnSpc>
+                <a:spcPct val="85000"/>
+              </a:lnSpc>
+              <a:defRPr sz="7200" b="0" cap="all" baseline="0"/>
             </a:lvl1pPr>
           </a:lstStyle>
           <a:p>
@@ -988,18 +996,13 @@
               <a:rPr lang="en-US"/>
               <a:t>Click to edit Master title style</a:t>
             </a:r>
-          </a:p>
-        </p:txBody>
-      </p:sp>
-      <p:sp>
-        <p:nvSpPr>
-          <p:cNvPr id="3" name="Text Placeholder 2">
-            <a:extLst>
-              <a:ext uri="{FF2B5EF4-FFF2-40B4-BE49-F238E27FC236}">
-                <a16:creationId xmlns:a16="http://schemas.microsoft.com/office/drawing/2014/main" id="{D75A7F39-C959-4CA0-A20C-D315E7A3DE09}"/>
-              </a:ext>
-            </a:extLst>
-          </p:cNvPr>
+            <a:endParaRPr lang="en-US" dirty="0"/>
+          </a:p>
+        </p:txBody>
+      </p:sp>
+      <p:sp>
+        <p:nvSpPr>
+          <p:cNvPr id="3" name="Text Placeholder 2"/>
           <p:cNvSpPr>
             <a:spLocks noGrp="1"/>
           </p:cNvSpPr>
@@ -1009,26 +1012,26 @@
         </p:nvSpPr>
         <p:spPr>
           <a:xfrm>
-            <a:off x="831850" y="4589463"/>
-            <a:ext cx="10515600" cy="1500187"/>
+            <a:off x="1709928" y="4154520"/>
+            <a:ext cx="8769096" cy="1363806"/>
           </a:xfrm>
         </p:spPr>
         <p:txBody>
-          <a:bodyPr/>
+          <a:bodyPr anchor="t">
+            <a:normAutofit/>
+          </a:bodyPr>
           <a:lstStyle>
-            <a:lvl1pPr marL="0" indent="0">
-              <a:buNone/>
-              <a:defRPr sz="2400">
+            <a:lvl1pPr marL="0" indent="0" algn="ctr">
+              <a:buNone/>
+              <a:defRPr sz="2200">
                 <a:solidFill>
-                  <a:schemeClr val="tx1">
-                    <a:tint val="75000"/>
-                  </a:schemeClr>
+                  <a:schemeClr val="accent1"/>
                 </a:solidFill>
               </a:defRPr>
             </a:lvl1pPr>
             <a:lvl2pPr marL="457200" indent="0">
               <a:buNone/>
-              <a:defRPr sz="2000">
+              <a:defRPr sz="1800">
                 <a:solidFill>
                   <a:schemeClr val="tx1">
                     <a:tint val="75000"/>
@@ -1038,7 +1041,7 @@
             </a:lvl2pPr>
             <a:lvl3pPr marL="914400" indent="0">
               <a:buNone/>
-              <a:defRPr sz="1800">
+              <a:defRPr sz="1600">
                 <a:solidFill>
                   <a:schemeClr val="tx1">
                     <a:tint val="75000"/>
@@ -1048,7 +1051,7 @@
             </a:lvl3pPr>
             <a:lvl4pPr marL="1371600" indent="0">
               <a:buNone/>
-              <a:defRPr sz="1600">
+              <a:defRPr sz="1400">
                 <a:solidFill>
                   <a:schemeClr val="tx1">
                     <a:tint val="75000"/>
@@ -1058,7 +1061,7 @@
             </a:lvl4pPr>
             <a:lvl5pPr marL="1828800" indent="0">
               <a:buNone/>
-              <a:defRPr sz="1600">
+              <a:defRPr sz="1400">
                 <a:solidFill>
                   <a:schemeClr val="tx1">
                     <a:tint val="75000"/>
@@ -1068,7 +1071,7 @@
             </a:lvl5pPr>
             <a:lvl6pPr marL="2286000" indent="0">
               <a:buNone/>
-              <a:defRPr sz="1600">
+              <a:defRPr sz="1400">
                 <a:solidFill>
                   <a:schemeClr val="tx1">
                     <a:tint val="75000"/>
@@ -1078,7 +1081,7 @@
             </a:lvl6pPr>
             <a:lvl7pPr marL="2743200" indent="0">
               <a:buNone/>
-              <a:defRPr sz="1600">
+              <a:defRPr sz="1400">
                 <a:solidFill>
                   <a:schemeClr val="tx1">
                     <a:tint val="75000"/>
@@ -1088,7 +1091,7 @@
             </a:lvl7pPr>
             <a:lvl8pPr marL="3200400" indent="0">
               <a:buNone/>
-              <a:defRPr sz="1600">
+              <a:defRPr sz="1400">
                 <a:solidFill>
                   <a:schemeClr val="tx1">
                     <a:tint val="75000"/>
@@ -1098,7 +1101,7 @@
             </a:lvl8pPr>
             <a:lvl9pPr marL="3657600" indent="0">
               <a:buNone/>
-              <a:defRPr sz="1600">
+              <a:defRPr sz="1400">
                 <a:solidFill>
                   <a:schemeClr val="tx1">
                     <a:tint val="75000"/>
@@ -1118,13 +1121,7 @@
       </p:sp>
       <p:sp>
         <p:nvSpPr>
-          <p:cNvPr id="4" name="Date Placeholder 3">
-            <a:extLst>
-              <a:ext uri="{FF2B5EF4-FFF2-40B4-BE49-F238E27FC236}">
-                <a16:creationId xmlns:a16="http://schemas.microsoft.com/office/drawing/2014/main" id="{5DAC871E-C883-4865-8B38-C543ACE1637B}"/>
-              </a:ext>
-            </a:extLst>
-          </p:cNvPr>
+          <p:cNvPr id="4" name="Date Placeholder 3"/>
           <p:cNvSpPr>
             <a:spLocks noGrp="1"/>
           </p:cNvSpPr>
@@ -1147,13 +1144,7 @@
       </p:sp>
       <p:sp>
         <p:nvSpPr>
-          <p:cNvPr id="5" name="Footer Placeholder 4">
-            <a:extLst>
-              <a:ext uri="{FF2B5EF4-FFF2-40B4-BE49-F238E27FC236}">
-                <a16:creationId xmlns:a16="http://schemas.microsoft.com/office/drawing/2014/main" id="{FAAF30DF-567D-4698-980A-5DD05BBD722D}"/>
-              </a:ext>
-            </a:extLst>
-          </p:cNvPr>
+          <p:cNvPr id="5" name="Footer Placeholder 4"/>
           <p:cNvSpPr>
             <a:spLocks noGrp="1"/>
           </p:cNvSpPr>
@@ -1172,13 +1163,7 @@
       </p:sp>
       <p:sp>
         <p:nvSpPr>
-          <p:cNvPr id="6" name="Slide Number Placeholder 5">
-            <a:extLst>
-              <a:ext uri="{FF2B5EF4-FFF2-40B4-BE49-F238E27FC236}">
-                <a16:creationId xmlns:a16="http://schemas.microsoft.com/office/drawing/2014/main" id="{ED6DBC63-20DF-4A1F-875C-27A57D5F9965}"/>
-              </a:ext>
-            </a:extLst>
-          </p:cNvPr>
+          <p:cNvPr id="6" name="Slide Number Placeholder 5"/>
           <p:cNvSpPr>
             <a:spLocks noGrp="1"/>
           </p:cNvSpPr>
@@ -1199,10 +1184,45 @@
           </a:p>
         </p:txBody>
       </p:sp>
+      <p:cxnSp>
+        <p:nvCxnSpPr>
+          <p:cNvPr id="7" name="Straight Connector 6"/>
+          <p:cNvCxnSpPr/>
+          <p:nvPr/>
+        </p:nvCxnSpPr>
+        <p:spPr>
+          <a:xfrm>
+            <a:off x="1981200" y="4020408"/>
+            <a:ext cx="8229601" cy="0"/>
+          </a:xfrm>
+          <a:prstGeom prst="line">
+            <a:avLst/>
+          </a:prstGeom>
+          <a:ln>
+            <a:solidFill>
+              <a:schemeClr val="accent1"/>
+            </a:solidFill>
+          </a:ln>
+        </p:spPr>
+        <p:style>
+          <a:lnRef idx="1">
+            <a:schemeClr val="accent1"/>
+          </a:lnRef>
+          <a:fillRef idx="0">
+            <a:schemeClr val="accent1"/>
+          </a:fillRef>
+          <a:effectRef idx="0">
+            <a:schemeClr val="accent1"/>
+          </a:effectRef>
+          <a:fontRef idx="minor">
+            <a:schemeClr val="tx1"/>
+          </a:fontRef>
+        </p:style>
+      </p:cxnSp>
     </p:spTree>
     <p:extLst>
       <p:ext uri="{BB962C8B-B14F-4D97-AF65-F5344CB8AC3E}">
-        <p14:creationId xmlns:p14="http://schemas.microsoft.com/office/powerpoint/2010/main" val="1055948596"/>
+        <p14:creationId xmlns:p14="http://schemas.microsoft.com/office/powerpoint/2010/main" val="3803353265"/>
       </p:ext>
     </p:extLst>
   </p:cSld>
@@ -1231,13 +1251,7 @@
       </p:grpSpPr>
       <p:sp>
         <p:nvSpPr>
-          <p:cNvPr id="2" name="Title 1">
-            <a:extLst>
-              <a:ext uri="{FF2B5EF4-FFF2-40B4-BE49-F238E27FC236}">
-                <a16:creationId xmlns:a16="http://schemas.microsoft.com/office/drawing/2014/main" id="{5F5C6AE8-F10E-4549-81C7-479BEB601423}"/>
-              </a:ext>
-            </a:extLst>
-          </p:cNvPr>
+          <p:cNvPr id="8" name="Title 7"/>
           <p:cNvSpPr>
             <a:spLocks noGrp="1"/>
           </p:cNvSpPr>
@@ -1254,18 +1268,13 @@
               <a:rPr lang="en-US"/>
               <a:t>Click to edit Master title style</a:t>
             </a:r>
-          </a:p>
-        </p:txBody>
-      </p:sp>
-      <p:sp>
-        <p:nvSpPr>
-          <p:cNvPr id="3" name="Content Placeholder 2">
-            <a:extLst>
-              <a:ext uri="{FF2B5EF4-FFF2-40B4-BE49-F238E27FC236}">
-                <a16:creationId xmlns:a16="http://schemas.microsoft.com/office/drawing/2014/main" id="{D5B5796A-B847-4FA8-8A29-7413DD2E2104}"/>
-              </a:ext>
-            </a:extLst>
-          </p:cNvPr>
+            <a:endParaRPr lang="en-US" dirty="0"/>
+          </a:p>
+        </p:txBody>
+      </p:sp>
+      <p:sp>
+        <p:nvSpPr>
+          <p:cNvPr id="3" name="Content Placeholder 2"/>
           <p:cNvSpPr>
             <a:spLocks noGrp="1"/>
           </p:cNvSpPr>
@@ -1275,13 +1284,41 @@
         </p:nvSpPr>
         <p:spPr>
           <a:xfrm>
-            <a:off x="838200" y="1825625"/>
-            <a:ext cx="5181600" cy="4351338"/>
+            <a:off x="1143000" y="2057399"/>
+            <a:ext cx="4754880" cy="4023360"/>
           </a:xfrm>
         </p:spPr>
         <p:txBody>
           <a:bodyPr/>
-          <a:lstStyle/>
+          <a:lstStyle>
+            <a:lvl1pPr>
+              <a:defRPr sz="2200"/>
+            </a:lvl1pPr>
+            <a:lvl2pPr>
+              <a:defRPr sz="2000"/>
+            </a:lvl2pPr>
+            <a:lvl3pPr>
+              <a:defRPr sz="1800"/>
+            </a:lvl3pPr>
+            <a:lvl4pPr>
+              <a:defRPr sz="1600"/>
+            </a:lvl4pPr>
+            <a:lvl5pPr>
+              <a:defRPr sz="1600"/>
+            </a:lvl5pPr>
+            <a:lvl6pPr>
+              <a:defRPr sz="1600"/>
+            </a:lvl6pPr>
+            <a:lvl7pPr>
+              <a:defRPr sz="1600"/>
+            </a:lvl7pPr>
+            <a:lvl8pPr>
+              <a:defRPr sz="1600"/>
+            </a:lvl8pPr>
+            <a:lvl9pPr>
+              <a:defRPr sz="1600"/>
+            </a:lvl9pPr>
+          </a:lstStyle>
           <a:p>
             <a:pPr lvl="0"/>
             <a:r>
@@ -1316,18 +1353,13 @@
               <a:rPr lang="en-US"/>
               <a:t>Fifth level</a:t>
             </a:r>
-          </a:p>
-        </p:txBody>
-      </p:sp>
-      <p:sp>
-        <p:nvSpPr>
-          <p:cNvPr id="4" name="Content Placeholder 3">
-            <a:extLst>
-              <a:ext uri="{FF2B5EF4-FFF2-40B4-BE49-F238E27FC236}">
-                <a16:creationId xmlns:a16="http://schemas.microsoft.com/office/drawing/2014/main" id="{28286FA4-0619-4A5B-99CC-C314ABD07B6D}"/>
-              </a:ext>
-            </a:extLst>
-          </p:cNvPr>
+            <a:endParaRPr lang="en-US" dirty="0"/>
+          </a:p>
+        </p:txBody>
+      </p:sp>
+      <p:sp>
+        <p:nvSpPr>
+          <p:cNvPr id="4" name="Content Placeholder 3"/>
           <p:cNvSpPr>
             <a:spLocks noGrp="1"/>
           </p:cNvSpPr>
@@ -1337,13 +1369,41 @@
         </p:nvSpPr>
         <p:spPr>
           <a:xfrm>
-            <a:off x="6172200" y="1825625"/>
-            <a:ext cx="5181600" cy="4351338"/>
+            <a:off x="6267612" y="2057400"/>
+            <a:ext cx="4754880" cy="4023360"/>
           </a:xfrm>
         </p:spPr>
         <p:txBody>
           <a:bodyPr/>
-          <a:lstStyle/>
+          <a:lstStyle>
+            <a:lvl1pPr>
+              <a:defRPr sz="2200"/>
+            </a:lvl1pPr>
+            <a:lvl2pPr>
+              <a:defRPr sz="2000"/>
+            </a:lvl2pPr>
+            <a:lvl3pPr>
+              <a:defRPr sz="1800"/>
+            </a:lvl3pPr>
+            <a:lvl4pPr>
+              <a:defRPr sz="1600"/>
+            </a:lvl4pPr>
+            <a:lvl5pPr>
+              <a:defRPr sz="1600"/>
+            </a:lvl5pPr>
+            <a:lvl6pPr>
+              <a:defRPr sz="1600"/>
+            </a:lvl6pPr>
+            <a:lvl7pPr>
+              <a:defRPr sz="1600"/>
+            </a:lvl7pPr>
+            <a:lvl8pPr>
+              <a:defRPr sz="1600"/>
+            </a:lvl8pPr>
+            <a:lvl9pPr>
+              <a:defRPr sz="1600"/>
+            </a:lvl9pPr>
+          </a:lstStyle>
           <a:p>
             <a:pPr lvl="0"/>
             <a:r>
@@ -1378,18 +1438,13 @@
               <a:rPr lang="en-US"/>
               <a:t>Fifth level</a:t>
             </a:r>
-          </a:p>
-        </p:txBody>
-      </p:sp>
-      <p:sp>
-        <p:nvSpPr>
-          <p:cNvPr id="5" name="Date Placeholder 4">
-            <a:extLst>
-              <a:ext uri="{FF2B5EF4-FFF2-40B4-BE49-F238E27FC236}">
-                <a16:creationId xmlns:a16="http://schemas.microsoft.com/office/drawing/2014/main" id="{333255F8-32E4-40EC-B68E-F648C60A0815}"/>
-              </a:ext>
-            </a:extLst>
-          </p:cNvPr>
+            <a:endParaRPr lang="en-US" dirty="0"/>
+          </a:p>
+        </p:txBody>
+      </p:sp>
+      <p:sp>
+        <p:nvSpPr>
+          <p:cNvPr id="5" name="Date Placeholder 4"/>
           <p:cNvSpPr>
             <a:spLocks noGrp="1"/>
           </p:cNvSpPr>
@@ -1412,13 +1467,7 @@
       </p:sp>
       <p:sp>
         <p:nvSpPr>
-          <p:cNvPr id="6" name="Footer Placeholder 5">
-            <a:extLst>
-              <a:ext uri="{FF2B5EF4-FFF2-40B4-BE49-F238E27FC236}">
-                <a16:creationId xmlns:a16="http://schemas.microsoft.com/office/drawing/2014/main" id="{881B14F4-14EC-4F0E-801B-E4476BA0E265}"/>
-              </a:ext>
-            </a:extLst>
-          </p:cNvPr>
+          <p:cNvPr id="6" name="Footer Placeholder 5"/>
           <p:cNvSpPr>
             <a:spLocks noGrp="1"/>
           </p:cNvSpPr>
@@ -1437,13 +1486,7 @@
       </p:sp>
       <p:sp>
         <p:nvSpPr>
-          <p:cNvPr id="7" name="Slide Number Placeholder 6">
-            <a:extLst>
-              <a:ext uri="{FF2B5EF4-FFF2-40B4-BE49-F238E27FC236}">
-                <a16:creationId xmlns:a16="http://schemas.microsoft.com/office/drawing/2014/main" id="{8ECBBF95-1018-4A40-8534-F19798E72B6E}"/>
-              </a:ext>
-            </a:extLst>
-          </p:cNvPr>
+          <p:cNvPr id="7" name="Slide Number Placeholder 6"/>
           <p:cNvSpPr>
             <a:spLocks noGrp="1"/>
           </p:cNvSpPr>
@@ -1467,7 +1510,7 @@
     </p:spTree>
     <p:extLst>
       <p:ext uri="{BB962C8B-B14F-4D97-AF65-F5344CB8AC3E}">
-        <p14:creationId xmlns:p14="http://schemas.microsoft.com/office/powerpoint/2010/main" val="909066452"/>
+        <p14:creationId xmlns:p14="http://schemas.microsoft.com/office/powerpoint/2010/main" val="3592136654"/>
       </p:ext>
     </p:extLst>
   </p:cSld>
@@ -1496,63 +1539,50 @@
       </p:grpSpPr>
       <p:sp>
         <p:nvSpPr>
-          <p:cNvPr id="2" name="Title 1">
-            <a:extLst>
-              <a:ext uri="{FF2B5EF4-FFF2-40B4-BE49-F238E27FC236}">
-                <a16:creationId xmlns:a16="http://schemas.microsoft.com/office/drawing/2014/main" id="{1C9A06C0-FD8A-4D74-ABD0-0CDD6AB75472}"/>
-              </a:ext>
-            </a:extLst>
-          </p:cNvPr>
+          <p:cNvPr id="10" name="Title 9"/>
           <p:cNvSpPr>
             <a:spLocks noGrp="1"/>
           </p:cNvSpPr>
           <p:nvPr>
             <p:ph type="title"/>
+          </p:nvPr>
+        </p:nvSpPr>
+        <p:spPr/>
+        <p:txBody>
+          <a:bodyPr/>
+          <a:lstStyle/>
+          <a:p>
+            <a:r>
+              <a:rPr lang="en-US"/>
+              <a:t>Click to edit Master title style</a:t>
+            </a:r>
+            <a:endParaRPr lang="en-US" dirty="0"/>
+          </a:p>
+        </p:txBody>
+      </p:sp>
+      <p:sp>
+        <p:nvSpPr>
+          <p:cNvPr id="3" name="Text Placeholder 2"/>
+          <p:cNvSpPr>
+            <a:spLocks noGrp="1"/>
+          </p:cNvSpPr>
+          <p:nvPr>
+            <p:ph type="body" idx="1"/>
           </p:nvPr>
         </p:nvSpPr>
         <p:spPr>
           <a:xfrm>
-            <a:off x="839788" y="365125"/>
-            <a:ext cx="10515600" cy="1325563"/>
+            <a:off x="1143000" y="2001511"/>
+            <a:ext cx="4754880" cy="777240"/>
           </a:xfrm>
         </p:spPr>
         <p:txBody>
-          <a:bodyPr/>
-          <a:lstStyle/>
-          <a:p>
-            <a:r>
-              <a:rPr lang="en-US"/>
-              <a:t>Click to edit Master title style</a:t>
-            </a:r>
-          </a:p>
-        </p:txBody>
-      </p:sp>
-      <p:sp>
-        <p:nvSpPr>
-          <p:cNvPr id="3" name="Text Placeholder 2">
-            <a:extLst>
-              <a:ext uri="{FF2B5EF4-FFF2-40B4-BE49-F238E27FC236}">
-                <a16:creationId xmlns:a16="http://schemas.microsoft.com/office/drawing/2014/main" id="{B2892408-F42C-4D6E-9AC3-B3110BFC8826}"/>
-              </a:ext>
-            </a:extLst>
-          </p:cNvPr>
-          <p:cNvSpPr>
-            <a:spLocks noGrp="1"/>
-          </p:cNvSpPr>
-          <p:nvPr>
-            <p:ph type="body" idx="1"/>
-          </p:nvPr>
-        </p:nvSpPr>
-        <p:spPr>
-          <a:xfrm>
-            <a:off x="839788" y="1681163"/>
-            <a:ext cx="5157787" cy="823912"/>
-          </a:xfrm>
-        </p:spPr>
-        <p:txBody>
-          <a:bodyPr anchor="b"/>
+          <a:bodyPr anchor="ctr"/>
           <a:lstStyle>
             <a:lvl1pPr marL="0" indent="0">
+              <a:spcBef>
+                <a:spcPts val="0"/>
+              </a:spcBef>
               <a:buNone/>
               <a:defRPr sz="2400" b="1"/>
             </a:lvl1pPr>
@@ -1600,13 +1630,7 @@
       </p:sp>
       <p:sp>
         <p:nvSpPr>
-          <p:cNvPr id="4" name="Content Placeholder 3">
-            <a:extLst>
-              <a:ext uri="{FF2B5EF4-FFF2-40B4-BE49-F238E27FC236}">
-                <a16:creationId xmlns:a16="http://schemas.microsoft.com/office/drawing/2014/main" id="{59BA249A-98A7-49D5-9F06-2E7E2A9668CB}"/>
-              </a:ext>
-            </a:extLst>
-          </p:cNvPr>
+          <p:cNvPr id="4" name="Content Placeholder 3"/>
           <p:cNvSpPr>
             <a:spLocks noGrp="1"/>
           </p:cNvSpPr>
@@ -1616,13 +1640,41 @@
         </p:nvSpPr>
         <p:spPr>
           <a:xfrm>
-            <a:off x="839788" y="2505075"/>
-            <a:ext cx="5157787" cy="3684588"/>
+            <a:off x="1143000" y="2721483"/>
+            <a:ext cx="4754880" cy="3383280"/>
           </a:xfrm>
         </p:spPr>
         <p:txBody>
           <a:bodyPr/>
-          <a:lstStyle/>
+          <a:lstStyle>
+            <a:lvl1pPr>
+              <a:defRPr sz="2200"/>
+            </a:lvl1pPr>
+            <a:lvl2pPr>
+              <a:defRPr sz="2000"/>
+            </a:lvl2pPr>
+            <a:lvl3pPr>
+              <a:defRPr sz="1800"/>
+            </a:lvl3pPr>
+            <a:lvl4pPr>
+              <a:defRPr sz="1600"/>
+            </a:lvl4pPr>
+            <a:lvl5pPr>
+              <a:defRPr sz="1600"/>
+            </a:lvl5pPr>
+            <a:lvl6pPr>
+              <a:defRPr sz="1600"/>
+            </a:lvl6pPr>
+            <a:lvl7pPr>
+              <a:defRPr sz="1600"/>
+            </a:lvl7pPr>
+            <a:lvl8pPr>
+              <a:defRPr sz="1600"/>
+            </a:lvl8pPr>
+            <a:lvl9pPr>
+              <a:defRPr sz="1600"/>
+            </a:lvl9pPr>
+          </a:lstStyle>
           <a:p>
             <a:pPr lvl="0"/>
             <a:r>
@@ -1657,18 +1709,13 @@
               <a:rPr lang="en-US"/>
               <a:t>Fifth level</a:t>
             </a:r>
-          </a:p>
-        </p:txBody>
-      </p:sp>
-      <p:sp>
-        <p:nvSpPr>
-          <p:cNvPr id="5" name="Text Placeholder 4">
-            <a:extLst>
-              <a:ext uri="{FF2B5EF4-FFF2-40B4-BE49-F238E27FC236}">
-                <a16:creationId xmlns:a16="http://schemas.microsoft.com/office/drawing/2014/main" id="{962933B2-37DE-4AD0-BA0F-94DAB5B97027}"/>
-              </a:ext>
-            </a:extLst>
-          </p:cNvPr>
+            <a:endParaRPr lang="en-US" dirty="0"/>
+          </a:p>
+        </p:txBody>
+      </p:sp>
+      <p:sp>
+        <p:nvSpPr>
+          <p:cNvPr id="5" name="Text Placeholder 4"/>
           <p:cNvSpPr>
             <a:spLocks noGrp="1"/>
           </p:cNvSpPr>
@@ -1678,14 +1725,17 @@
         </p:nvSpPr>
         <p:spPr>
           <a:xfrm>
-            <a:off x="6172200" y="1681163"/>
-            <a:ext cx="5183188" cy="823912"/>
+            <a:off x="6269173" y="1999032"/>
+            <a:ext cx="4754880" cy="777240"/>
           </a:xfrm>
         </p:spPr>
         <p:txBody>
-          <a:bodyPr anchor="b"/>
+          <a:bodyPr anchor="ctr"/>
           <a:lstStyle>
             <a:lvl1pPr marL="0" indent="0">
+              <a:spcBef>
+                <a:spcPts val="0"/>
+              </a:spcBef>
               <a:buNone/>
               <a:defRPr sz="2400" b="1"/>
             </a:lvl1pPr>
@@ -1733,13 +1783,7 @@
       </p:sp>
       <p:sp>
         <p:nvSpPr>
-          <p:cNvPr id="6" name="Content Placeholder 5">
-            <a:extLst>
-              <a:ext uri="{FF2B5EF4-FFF2-40B4-BE49-F238E27FC236}">
-                <a16:creationId xmlns:a16="http://schemas.microsoft.com/office/drawing/2014/main" id="{75C1B88C-B600-4BB7-B4A0-3668E4AFF54C}"/>
-              </a:ext>
-            </a:extLst>
-          </p:cNvPr>
+          <p:cNvPr id="6" name="Content Placeholder 5"/>
           <p:cNvSpPr>
             <a:spLocks noGrp="1"/>
           </p:cNvSpPr>
@@ -1749,13 +1793,41 @@
         </p:nvSpPr>
         <p:spPr>
           <a:xfrm>
-            <a:off x="6172200" y="2505075"/>
-            <a:ext cx="5183188" cy="3684588"/>
+            <a:off x="6269173" y="2719322"/>
+            <a:ext cx="4754880" cy="3383280"/>
           </a:xfrm>
         </p:spPr>
         <p:txBody>
           <a:bodyPr/>
-          <a:lstStyle/>
+          <a:lstStyle>
+            <a:lvl1pPr>
+              <a:defRPr sz="2200"/>
+            </a:lvl1pPr>
+            <a:lvl2pPr>
+              <a:defRPr sz="2000"/>
+            </a:lvl2pPr>
+            <a:lvl3pPr>
+              <a:defRPr sz="1800"/>
+            </a:lvl3pPr>
+            <a:lvl4pPr>
+              <a:defRPr sz="1600"/>
+            </a:lvl4pPr>
+            <a:lvl5pPr>
+              <a:defRPr sz="1600"/>
+            </a:lvl5pPr>
+            <a:lvl6pPr>
+              <a:defRPr sz="1600"/>
+            </a:lvl6pPr>
+            <a:lvl7pPr>
+              <a:defRPr sz="1600"/>
+            </a:lvl7pPr>
+            <a:lvl8pPr>
+              <a:defRPr sz="1600"/>
+            </a:lvl8pPr>
+            <a:lvl9pPr>
+              <a:defRPr sz="1600"/>
+            </a:lvl9pPr>
+          </a:lstStyle>
           <a:p>
             <a:pPr lvl="0"/>
             <a:r>
@@ -1790,18 +1862,13 @@
               <a:rPr lang="en-US"/>
               <a:t>Fifth level</a:t>
             </a:r>
-          </a:p>
-        </p:txBody>
-      </p:sp>
-      <p:sp>
-        <p:nvSpPr>
-          <p:cNvPr id="7" name="Date Placeholder 6">
-            <a:extLst>
-              <a:ext uri="{FF2B5EF4-FFF2-40B4-BE49-F238E27FC236}">
-                <a16:creationId xmlns:a16="http://schemas.microsoft.com/office/drawing/2014/main" id="{37DD62AC-8F37-419C-8457-8D4887286EC8}"/>
-              </a:ext>
-            </a:extLst>
-          </p:cNvPr>
+            <a:endParaRPr lang="en-US" dirty="0"/>
+          </a:p>
+        </p:txBody>
+      </p:sp>
+      <p:sp>
+        <p:nvSpPr>
+          <p:cNvPr id="7" name="Date Placeholder 6"/>
           <p:cNvSpPr>
             <a:spLocks noGrp="1"/>
           </p:cNvSpPr>
@@ -1824,13 +1891,7 @@
       </p:sp>
       <p:sp>
         <p:nvSpPr>
-          <p:cNvPr id="8" name="Footer Placeholder 7">
-            <a:extLst>
-              <a:ext uri="{FF2B5EF4-FFF2-40B4-BE49-F238E27FC236}">
-                <a16:creationId xmlns:a16="http://schemas.microsoft.com/office/drawing/2014/main" id="{006BB8EC-A6EE-42C0-B020-0B6171E6721A}"/>
-              </a:ext>
-            </a:extLst>
-          </p:cNvPr>
+          <p:cNvPr id="8" name="Footer Placeholder 7"/>
           <p:cNvSpPr>
             <a:spLocks noGrp="1"/>
           </p:cNvSpPr>
@@ -1849,13 +1910,7 @@
       </p:sp>
       <p:sp>
         <p:nvSpPr>
-          <p:cNvPr id="9" name="Slide Number Placeholder 8">
-            <a:extLst>
-              <a:ext uri="{FF2B5EF4-FFF2-40B4-BE49-F238E27FC236}">
-                <a16:creationId xmlns:a16="http://schemas.microsoft.com/office/drawing/2014/main" id="{CB7DF52E-69F8-4FDD-A8E4-B2A4FEF0796F}"/>
-              </a:ext>
-            </a:extLst>
-          </p:cNvPr>
+          <p:cNvPr id="9" name="Slide Number Placeholder 8"/>
           <p:cNvSpPr>
             <a:spLocks noGrp="1"/>
           </p:cNvSpPr>
@@ -1879,7 +1934,7 @@
     </p:spTree>
     <p:extLst>
       <p:ext uri="{BB962C8B-B14F-4D97-AF65-F5344CB8AC3E}">
-        <p14:creationId xmlns:p14="http://schemas.microsoft.com/office/powerpoint/2010/main" val="1217053645"/>
+        <p14:creationId xmlns:p14="http://schemas.microsoft.com/office/powerpoint/2010/main" val="2642687927"/>
       </p:ext>
     </p:extLst>
   </p:cSld>
@@ -1908,13 +1963,7 @@
       </p:grpSpPr>
       <p:sp>
         <p:nvSpPr>
-          <p:cNvPr id="2" name="Title 1">
-            <a:extLst>
-              <a:ext uri="{FF2B5EF4-FFF2-40B4-BE49-F238E27FC236}">
-                <a16:creationId xmlns:a16="http://schemas.microsoft.com/office/drawing/2014/main" id="{A1FA0E9E-3626-42BE-9454-64F2B62DFF78}"/>
-              </a:ext>
-            </a:extLst>
-          </p:cNvPr>
+          <p:cNvPr id="2" name="Title 1"/>
           <p:cNvSpPr>
             <a:spLocks noGrp="1"/>
           </p:cNvSpPr>
@@ -1931,18 +1980,13 @@
               <a:rPr lang="en-US"/>
               <a:t>Click to edit Master title style</a:t>
             </a:r>
-          </a:p>
-        </p:txBody>
-      </p:sp>
-      <p:sp>
-        <p:nvSpPr>
-          <p:cNvPr id="3" name="Date Placeholder 2">
-            <a:extLst>
-              <a:ext uri="{FF2B5EF4-FFF2-40B4-BE49-F238E27FC236}">
-                <a16:creationId xmlns:a16="http://schemas.microsoft.com/office/drawing/2014/main" id="{859E88A4-292A-40C4-8E53-6447DA510CA2}"/>
-              </a:ext>
-            </a:extLst>
-          </p:cNvPr>
+            <a:endParaRPr lang="en-US" dirty="0"/>
+          </a:p>
+        </p:txBody>
+      </p:sp>
+      <p:sp>
+        <p:nvSpPr>
+          <p:cNvPr id="3" name="Date Placeholder 2"/>
           <p:cNvSpPr>
             <a:spLocks noGrp="1"/>
           </p:cNvSpPr>
@@ -1965,13 +2009,7 @@
       </p:sp>
       <p:sp>
         <p:nvSpPr>
-          <p:cNvPr id="4" name="Footer Placeholder 3">
-            <a:extLst>
-              <a:ext uri="{FF2B5EF4-FFF2-40B4-BE49-F238E27FC236}">
-                <a16:creationId xmlns:a16="http://schemas.microsoft.com/office/drawing/2014/main" id="{C32147EA-35E2-458F-AA71-5120A4B00F48}"/>
-              </a:ext>
-            </a:extLst>
-          </p:cNvPr>
+          <p:cNvPr id="4" name="Footer Placeholder 3"/>
           <p:cNvSpPr>
             <a:spLocks noGrp="1"/>
           </p:cNvSpPr>
@@ -1990,13 +2028,7 @@
       </p:sp>
       <p:sp>
         <p:nvSpPr>
-          <p:cNvPr id="5" name="Slide Number Placeholder 4">
-            <a:extLst>
-              <a:ext uri="{FF2B5EF4-FFF2-40B4-BE49-F238E27FC236}">
-                <a16:creationId xmlns:a16="http://schemas.microsoft.com/office/drawing/2014/main" id="{C65E4FA5-9006-43AA-9CD6-D1875CF4C87B}"/>
-              </a:ext>
-            </a:extLst>
-          </p:cNvPr>
+          <p:cNvPr id="5" name="Slide Number Placeholder 4"/>
           <p:cNvSpPr>
             <a:spLocks noGrp="1"/>
           </p:cNvSpPr>
@@ -2020,7 +2052,7 @@
     </p:spTree>
     <p:extLst>
       <p:ext uri="{BB962C8B-B14F-4D97-AF65-F5344CB8AC3E}">
-        <p14:creationId xmlns:p14="http://schemas.microsoft.com/office/powerpoint/2010/main" val="1714894102"/>
+        <p14:creationId xmlns:p14="http://schemas.microsoft.com/office/powerpoint/2010/main" val="2685093866"/>
       </p:ext>
     </p:extLst>
   </p:cSld>
@@ -2049,13 +2081,7 @@
       </p:grpSpPr>
       <p:sp>
         <p:nvSpPr>
-          <p:cNvPr id="2" name="Date Placeholder 1">
-            <a:extLst>
-              <a:ext uri="{FF2B5EF4-FFF2-40B4-BE49-F238E27FC236}">
-                <a16:creationId xmlns:a16="http://schemas.microsoft.com/office/drawing/2014/main" id="{1B5F5EC9-E611-4521-8C55-CE0DF8FF3EF7}"/>
-              </a:ext>
-            </a:extLst>
-          </p:cNvPr>
+          <p:cNvPr id="2" name="Date Placeholder 1"/>
           <p:cNvSpPr>
             <a:spLocks noGrp="1"/>
           </p:cNvSpPr>
@@ -2078,13 +2104,7 @@
       </p:sp>
       <p:sp>
         <p:nvSpPr>
-          <p:cNvPr id="3" name="Footer Placeholder 2">
-            <a:extLst>
-              <a:ext uri="{FF2B5EF4-FFF2-40B4-BE49-F238E27FC236}">
-                <a16:creationId xmlns:a16="http://schemas.microsoft.com/office/drawing/2014/main" id="{45A2B53B-552A-4FB4-A7DB-131528ED9E27}"/>
-              </a:ext>
-            </a:extLst>
-          </p:cNvPr>
+          <p:cNvPr id="3" name="Footer Placeholder 2"/>
           <p:cNvSpPr>
             <a:spLocks noGrp="1"/>
           </p:cNvSpPr>
@@ -2103,13 +2123,7 @@
       </p:sp>
       <p:sp>
         <p:nvSpPr>
-          <p:cNvPr id="4" name="Slide Number Placeholder 3">
-            <a:extLst>
-              <a:ext uri="{FF2B5EF4-FFF2-40B4-BE49-F238E27FC236}">
-                <a16:creationId xmlns:a16="http://schemas.microsoft.com/office/drawing/2014/main" id="{42D477B2-5A95-4BDB-824E-ACFA79634DD0}"/>
-              </a:ext>
-            </a:extLst>
-          </p:cNvPr>
+          <p:cNvPr id="4" name="Slide Number Placeholder 3"/>
           <p:cNvSpPr>
             <a:spLocks noGrp="1"/>
           </p:cNvSpPr>
@@ -2133,13 +2147,18 @@
     </p:spTree>
     <p:extLst>
       <p:ext uri="{BB962C8B-B14F-4D97-AF65-F5344CB8AC3E}">
-        <p14:creationId xmlns:p14="http://schemas.microsoft.com/office/powerpoint/2010/main" val="4002564285"/>
+        <p14:creationId xmlns:p14="http://schemas.microsoft.com/office/powerpoint/2010/main" val="967958398"/>
       </p:ext>
     </p:extLst>
   </p:cSld>
   <p:clrMapOvr>
     <a:masterClrMapping/>
   </p:clrMapOvr>
+  <p:extLst>
+    <p:ext uri="{DCECCB84-F9BA-43D5-87BE-67443E8EF086}">
+      <p15:sldGuideLst xmlns:p15="http://schemas.microsoft.com/office/powerpoint/2012/main"/>
+    </p:ext>
+  </p:extLst>
 </p:sldLayout>
 </file>
 
@@ -2162,13 +2181,7 @@
       </p:grpSpPr>
       <p:sp>
         <p:nvSpPr>
-          <p:cNvPr id="2" name="Title 1">
-            <a:extLst>
-              <a:ext uri="{FF2B5EF4-FFF2-40B4-BE49-F238E27FC236}">
-                <a16:creationId xmlns:a16="http://schemas.microsoft.com/office/drawing/2014/main" id="{D9F94580-1F76-425E-B632-FA9ECBE28DFC}"/>
-              </a:ext>
-            </a:extLst>
-          </p:cNvPr>
+          <p:cNvPr id="2" name="Title 1"/>
           <p:cNvSpPr>
             <a:spLocks noGrp="1"/>
           </p:cNvSpPr>
@@ -2178,15 +2191,20 @@
         </p:nvSpPr>
         <p:spPr>
           <a:xfrm>
-            <a:off x="839788" y="457200"/>
-            <a:ext cx="3932237" cy="1600200"/>
+            <a:off x="1143000" y="1097280"/>
+            <a:ext cx="3931920" cy="1737360"/>
           </a:xfrm>
         </p:spPr>
         <p:txBody>
-          <a:bodyPr anchor="b"/>
+          <a:bodyPr anchor="b">
+            <a:noAutofit/>
+          </a:bodyPr>
           <a:lstStyle>
             <a:lvl1pPr>
-              <a:defRPr sz="3200"/>
+              <a:lnSpc>
+                <a:spcPct val="90000"/>
+              </a:lnSpc>
+              <a:defRPr sz="4000" b="0"/>
             </a:lvl1pPr>
           </a:lstStyle>
           <a:p>
@@ -2194,18 +2212,13 @@
               <a:rPr lang="en-US"/>
               <a:t>Click to edit Master title style</a:t>
             </a:r>
-          </a:p>
-        </p:txBody>
-      </p:sp>
-      <p:sp>
-        <p:nvSpPr>
-          <p:cNvPr id="3" name="Content Placeholder 2">
-            <a:extLst>
-              <a:ext uri="{FF2B5EF4-FFF2-40B4-BE49-F238E27FC236}">
-                <a16:creationId xmlns:a16="http://schemas.microsoft.com/office/drawing/2014/main" id="{163AA6B9-6600-4EB8-AD54-0ADE29996ADF}"/>
-              </a:ext>
-            </a:extLst>
-          </p:cNvPr>
+            <a:endParaRPr lang="en-US" dirty="0"/>
+          </a:p>
+        </p:txBody>
+      </p:sp>
+      <p:sp>
+        <p:nvSpPr>
+          <p:cNvPr id="3" name="Content Placeholder 2"/>
           <p:cNvSpPr>
             <a:spLocks noGrp="1"/>
           </p:cNvSpPr>
@@ -2215,8 +2228,8 @@
         </p:nvSpPr>
         <p:spPr>
           <a:xfrm>
-            <a:off x="5183188" y="987425"/>
-            <a:ext cx="6172200" cy="4873625"/>
+            <a:off x="5852159" y="1097280"/>
+            <a:ext cx="5212080" cy="4663440"/>
           </a:xfrm>
         </p:spPr>
         <p:txBody>
@@ -2284,18 +2297,13 @@
               <a:rPr lang="en-US"/>
               <a:t>Fifth level</a:t>
             </a:r>
-          </a:p>
-        </p:txBody>
-      </p:sp>
-      <p:sp>
-        <p:nvSpPr>
-          <p:cNvPr id="4" name="Text Placeholder 3">
-            <a:extLst>
-              <a:ext uri="{FF2B5EF4-FFF2-40B4-BE49-F238E27FC236}">
-                <a16:creationId xmlns:a16="http://schemas.microsoft.com/office/drawing/2014/main" id="{00532F8E-4C2C-433B-BB97-EF61672450DD}"/>
-              </a:ext>
-            </a:extLst>
-          </p:cNvPr>
+            <a:endParaRPr lang="en-US" dirty="0"/>
+          </a:p>
+        </p:txBody>
+      </p:sp>
+      <p:sp>
+        <p:nvSpPr>
+          <p:cNvPr id="4" name="Text Placeholder 3"/>
           <p:cNvSpPr>
             <a:spLocks noGrp="1"/>
           </p:cNvSpPr>
@@ -2305,48 +2313,56 @@
         </p:nvSpPr>
         <p:spPr>
           <a:xfrm>
-            <a:off x="839788" y="2057400"/>
-            <a:ext cx="3932237" cy="3811588"/>
+            <a:off x="1143000" y="2834640"/>
+            <a:ext cx="3931920" cy="3017520"/>
           </a:xfrm>
         </p:spPr>
         <p:txBody>
-          <a:bodyPr/>
+          <a:bodyPr>
+            <a:normAutofit/>
+          </a:bodyPr>
           <a:lstStyle>
             <a:lvl1pPr marL="0" indent="0">
-              <a:buNone/>
-              <a:defRPr sz="1600"/>
+              <a:lnSpc>
+                <a:spcPct val="100000"/>
+              </a:lnSpc>
+              <a:spcBef>
+                <a:spcPts val="1000"/>
+              </a:spcBef>
+              <a:buNone/>
+              <a:defRPr sz="1700"/>
             </a:lvl1pPr>
             <a:lvl2pPr marL="457200" indent="0">
               <a:buNone/>
-              <a:defRPr sz="1400"/>
+              <a:defRPr sz="1200"/>
             </a:lvl2pPr>
             <a:lvl3pPr marL="914400" indent="0">
               <a:buNone/>
-              <a:defRPr sz="1200"/>
+              <a:defRPr sz="1000"/>
             </a:lvl3pPr>
             <a:lvl4pPr marL="1371600" indent="0">
               <a:buNone/>
-              <a:defRPr sz="1000"/>
+              <a:defRPr sz="900"/>
             </a:lvl4pPr>
             <a:lvl5pPr marL="1828800" indent="0">
               <a:buNone/>
-              <a:defRPr sz="1000"/>
+              <a:defRPr sz="900"/>
             </a:lvl5pPr>
             <a:lvl6pPr marL="2286000" indent="0">
               <a:buNone/>
-              <a:defRPr sz="1000"/>
+              <a:defRPr sz="900"/>
             </a:lvl6pPr>
             <a:lvl7pPr marL="2743200" indent="0">
               <a:buNone/>
-              <a:defRPr sz="1000"/>
+              <a:defRPr sz="900"/>
             </a:lvl7pPr>
             <a:lvl8pPr marL="3200400" indent="0">
               <a:buNone/>
-              <a:defRPr sz="1000"/>
+              <a:defRPr sz="900"/>
             </a:lvl8pPr>
             <a:lvl9pPr marL="3657600" indent="0">
               <a:buNone/>
-              <a:defRPr sz="1000"/>
+              <a:defRPr sz="900"/>
             </a:lvl9pPr>
           </a:lstStyle>
           <a:p>
@@ -2360,13 +2376,7 @@
       </p:sp>
       <p:sp>
         <p:nvSpPr>
-          <p:cNvPr id="5" name="Date Placeholder 4">
-            <a:extLst>
-              <a:ext uri="{FF2B5EF4-FFF2-40B4-BE49-F238E27FC236}">
-                <a16:creationId xmlns:a16="http://schemas.microsoft.com/office/drawing/2014/main" id="{869AF396-AF0F-4A64-8BE6-E9240D828C5F}"/>
-              </a:ext>
-            </a:extLst>
-          </p:cNvPr>
+          <p:cNvPr id="5" name="Date Placeholder 4"/>
           <p:cNvSpPr>
             <a:spLocks noGrp="1"/>
           </p:cNvSpPr>
@@ -2389,13 +2399,7 @@
       </p:sp>
       <p:sp>
         <p:nvSpPr>
-          <p:cNvPr id="6" name="Footer Placeholder 5">
-            <a:extLst>
-              <a:ext uri="{FF2B5EF4-FFF2-40B4-BE49-F238E27FC236}">
-                <a16:creationId xmlns:a16="http://schemas.microsoft.com/office/drawing/2014/main" id="{8C0C0C94-ED1D-47B7-AD5D-565468716C70}"/>
-              </a:ext>
-            </a:extLst>
-          </p:cNvPr>
+          <p:cNvPr id="6" name="Footer Placeholder 5"/>
           <p:cNvSpPr>
             <a:spLocks noGrp="1"/>
           </p:cNvSpPr>
@@ -2414,13 +2418,7 @@
       </p:sp>
       <p:sp>
         <p:nvSpPr>
-          <p:cNvPr id="7" name="Slide Number Placeholder 6">
-            <a:extLst>
-              <a:ext uri="{FF2B5EF4-FFF2-40B4-BE49-F238E27FC236}">
-                <a16:creationId xmlns:a16="http://schemas.microsoft.com/office/drawing/2014/main" id="{A1092C4C-BDE6-480D-A848-1997EF714414}"/>
-              </a:ext>
-            </a:extLst>
-          </p:cNvPr>
+          <p:cNvPr id="7" name="Slide Number Placeholder 6"/>
           <p:cNvSpPr>
             <a:spLocks noGrp="1"/>
           </p:cNvSpPr>
@@ -2444,13 +2442,18 @@
     </p:spTree>
     <p:extLst>
       <p:ext uri="{BB962C8B-B14F-4D97-AF65-F5344CB8AC3E}">
-        <p14:creationId xmlns:p14="http://schemas.microsoft.com/office/powerpoint/2010/main" val="3513725622"/>
+        <p14:creationId xmlns:p14="http://schemas.microsoft.com/office/powerpoint/2010/main" val="2845394343"/>
       </p:ext>
     </p:extLst>
   </p:cSld>
   <p:clrMapOvr>
     <a:masterClrMapping/>
   </p:clrMapOvr>
+  <p:extLst>
+    <p:ext uri="{DCECCB84-F9BA-43D5-87BE-67443E8EF086}">
+      <p15:sldGuideLst xmlns:p15="http://schemas.microsoft.com/office/powerpoint/2012/main"/>
+    </p:ext>
+  </p:extLst>
 </p:sldLayout>
 </file>
 
@@ -2473,13 +2476,7 @@
       </p:grpSpPr>
       <p:sp>
         <p:nvSpPr>
-          <p:cNvPr id="2" name="Title 1">
-            <a:extLst>
-              <a:ext uri="{FF2B5EF4-FFF2-40B4-BE49-F238E27FC236}">
-                <a16:creationId xmlns:a16="http://schemas.microsoft.com/office/drawing/2014/main" id="{624BDC53-55F6-4A7E-BC22-C02E9B1AAAE4}"/>
-              </a:ext>
-            </a:extLst>
-          </p:cNvPr>
+          <p:cNvPr id="2" name="Title 1"/>
           <p:cNvSpPr>
             <a:spLocks noGrp="1"/>
           </p:cNvSpPr>
@@ -2489,15 +2486,20 @@
         </p:nvSpPr>
         <p:spPr>
           <a:xfrm>
-            <a:off x="839788" y="457200"/>
-            <a:ext cx="3932237" cy="1600200"/>
+            <a:off x="1143000" y="1097280"/>
+            <a:ext cx="3931920" cy="1737360"/>
           </a:xfrm>
         </p:spPr>
         <p:txBody>
-          <a:bodyPr anchor="b"/>
+          <a:bodyPr anchor="b">
+            <a:noAutofit/>
+          </a:bodyPr>
           <a:lstStyle>
             <a:lvl1pPr>
-              <a:defRPr sz="3200"/>
+              <a:lnSpc>
+                <a:spcPct val="90000"/>
+              </a:lnSpc>
+              <a:defRPr sz="4000" b="0"/>
             </a:lvl1pPr>
           </a:lstStyle>
           <a:p>
@@ -2505,20 +2507,15 @@
               <a:rPr lang="en-US"/>
               <a:t>Click to edit Master title style</a:t>
             </a:r>
-          </a:p>
-        </p:txBody>
-      </p:sp>
-      <p:sp>
-        <p:nvSpPr>
-          <p:cNvPr id="3" name="Picture Placeholder 2">
-            <a:extLst>
-              <a:ext uri="{FF2B5EF4-FFF2-40B4-BE49-F238E27FC236}">
-                <a16:creationId xmlns:a16="http://schemas.microsoft.com/office/drawing/2014/main" id="{37B599FB-A4FE-42A0-96C0-E9A3F674220B}"/>
-              </a:ext>
-            </a:extLst>
-          </p:cNvPr>
-          <p:cNvSpPr>
-            <a:spLocks noGrp="1"/>
+            <a:endParaRPr lang="en-US" dirty="0"/>
+          </a:p>
+        </p:txBody>
+      </p:sp>
+      <p:sp>
+        <p:nvSpPr>
+          <p:cNvPr id="3" name="Picture Placeholder 2"/>
+          <p:cNvSpPr>
+            <a:spLocks noGrp="1" noChangeAspect="1"/>
           </p:cNvSpPr>
           <p:nvPr>
             <p:ph type="pic" idx="1"/>
@@ -2526,16 +2523,18 @@
         </p:nvSpPr>
         <p:spPr>
           <a:xfrm>
-            <a:off x="5183188" y="987425"/>
-            <a:ext cx="6172200" cy="4873625"/>
+            <a:off x="5413248" y="1069847"/>
+            <a:ext cx="6099048" cy="4800600"/>
           </a:xfrm>
         </p:spPr>
         <p:txBody>
-          <a:bodyPr/>
+          <a:bodyPr lIns="274320" tIns="182880" anchor="t">
+            <a:normAutofit/>
+          </a:bodyPr>
           <a:lstStyle>
             <a:lvl1pPr marL="0" indent="0">
               <a:buNone/>
-              <a:defRPr sz="3200"/>
+              <a:defRPr sz="2800"/>
             </a:lvl1pPr>
             <a:lvl2pPr marL="457200" indent="0">
               <a:buNone/>
@@ -2571,19 +2570,17 @@
             </a:lvl9pPr>
           </a:lstStyle>
           <a:p>
-            <a:endParaRPr lang="en-US"/>
-          </a:p>
-        </p:txBody>
-      </p:sp>
-      <p:sp>
-        <p:nvSpPr>
-          <p:cNvPr id="4" name="Text Placeholder 3">
-            <a:extLst>
-              <a:ext uri="{FF2B5EF4-FFF2-40B4-BE49-F238E27FC236}">
-                <a16:creationId xmlns:a16="http://schemas.microsoft.com/office/drawing/2014/main" id="{767A96D0-06F3-4763-9F2E-D6C0707C6C9B}"/>
-              </a:ext>
-            </a:extLst>
-          </p:cNvPr>
+            <a:r>
+              <a:rPr lang="en-US"/>
+              <a:t>Click icon to add picture</a:t>
+            </a:r>
+            <a:endParaRPr lang="en-US" dirty="0"/>
+          </a:p>
+        </p:txBody>
+      </p:sp>
+      <p:sp>
+        <p:nvSpPr>
+          <p:cNvPr id="4" name="Text Placeholder 3"/>
           <p:cNvSpPr>
             <a:spLocks noGrp="1"/>
           </p:cNvSpPr>
@@ -2593,48 +2590,56 @@
         </p:nvSpPr>
         <p:spPr>
           <a:xfrm>
-            <a:off x="839788" y="2057400"/>
-            <a:ext cx="3932237" cy="3811588"/>
+            <a:off x="1143000" y="2834640"/>
+            <a:ext cx="3931920" cy="2880360"/>
           </a:xfrm>
         </p:spPr>
         <p:txBody>
-          <a:bodyPr/>
+          <a:bodyPr>
+            <a:normAutofit/>
+          </a:bodyPr>
           <a:lstStyle>
             <a:lvl1pPr marL="0" indent="0">
-              <a:buNone/>
-              <a:defRPr sz="1600"/>
+              <a:lnSpc>
+                <a:spcPct val="100000"/>
+              </a:lnSpc>
+              <a:spcBef>
+                <a:spcPts val="1000"/>
+              </a:spcBef>
+              <a:buNone/>
+              <a:defRPr sz="1700"/>
             </a:lvl1pPr>
             <a:lvl2pPr marL="457200" indent="0">
               <a:buNone/>
-              <a:defRPr sz="1400"/>
+              <a:defRPr sz="1200"/>
             </a:lvl2pPr>
             <a:lvl3pPr marL="914400" indent="0">
               <a:buNone/>
-              <a:defRPr sz="1200"/>
+              <a:defRPr sz="1000"/>
             </a:lvl3pPr>
             <a:lvl4pPr marL="1371600" indent="0">
               <a:buNone/>
-              <a:defRPr sz="1000"/>
+              <a:defRPr sz="900"/>
             </a:lvl4pPr>
             <a:lvl5pPr marL="1828800" indent="0">
               <a:buNone/>
-              <a:defRPr sz="1000"/>
+              <a:defRPr sz="900"/>
             </a:lvl5pPr>
             <a:lvl6pPr marL="2286000" indent="0">
               <a:buNone/>
-              <a:defRPr sz="1000"/>
+              <a:defRPr sz="900"/>
             </a:lvl6pPr>
             <a:lvl7pPr marL="2743200" indent="0">
               <a:buNone/>
-              <a:defRPr sz="1000"/>
+              <a:defRPr sz="900"/>
             </a:lvl7pPr>
             <a:lvl8pPr marL="3200400" indent="0">
               <a:buNone/>
-              <a:defRPr sz="1000"/>
+              <a:defRPr sz="900"/>
             </a:lvl8pPr>
             <a:lvl9pPr marL="3657600" indent="0">
               <a:buNone/>
-              <a:defRPr sz="1000"/>
+              <a:defRPr sz="900"/>
             </a:lvl9pPr>
           </a:lstStyle>
           <a:p>
@@ -2648,13 +2653,7 @@
       </p:sp>
       <p:sp>
         <p:nvSpPr>
-          <p:cNvPr id="5" name="Date Placeholder 4">
-            <a:extLst>
-              <a:ext uri="{FF2B5EF4-FFF2-40B4-BE49-F238E27FC236}">
-                <a16:creationId xmlns:a16="http://schemas.microsoft.com/office/drawing/2014/main" id="{381E12E0-21FF-46B1-A303-FA88BBE927AF}"/>
-              </a:ext>
-            </a:extLst>
-          </p:cNvPr>
+          <p:cNvPr id="5" name="Date Placeholder 4"/>
           <p:cNvSpPr>
             <a:spLocks noGrp="1"/>
           </p:cNvSpPr>
@@ -2677,13 +2676,7 @@
       </p:sp>
       <p:sp>
         <p:nvSpPr>
-          <p:cNvPr id="6" name="Footer Placeholder 5">
-            <a:extLst>
-              <a:ext uri="{FF2B5EF4-FFF2-40B4-BE49-F238E27FC236}">
-                <a16:creationId xmlns:a16="http://schemas.microsoft.com/office/drawing/2014/main" id="{B5078AEE-69E0-4875-A6E3-6E1E063B9BD5}"/>
-              </a:ext>
-            </a:extLst>
-          </p:cNvPr>
+          <p:cNvPr id="6" name="Footer Placeholder 5"/>
           <p:cNvSpPr>
             <a:spLocks noGrp="1"/>
           </p:cNvSpPr>
@@ -2702,13 +2695,7 @@
       </p:sp>
       <p:sp>
         <p:nvSpPr>
-          <p:cNvPr id="7" name="Slide Number Placeholder 6">
-            <a:extLst>
-              <a:ext uri="{FF2B5EF4-FFF2-40B4-BE49-F238E27FC236}">
-                <a16:creationId xmlns:a16="http://schemas.microsoft.com/office/drawing/2014/main" id="{D4BE50FD-9696-4A5A-969B-E3E486EE1E14}"/>
-              </a:ext>
-            </a:extLst>
-          </p:cNvPr>
+          <p:cNvPr id="7" name="Slide Number Placeholder 6"/>
           <p:cNvSpPr>
             <a:spLocks noGrp="1"/>
           </p:cNvSpPr>
@@ -2732,7 +2719,7 @@
     </p:spTree>
     <p:extLst>
       <p:ext uri="{BB962C8B-B14F-4D97-AF65-F5344CB8AC3E}">
-        <p14:creationId xmlns:p14="http://schemas.microsoft.com/office/powerpoint/2010/main" val="1245266424"/>
+        <p14:creationId xmlns:p14="http://schemas.microsoft.com/office/powerpoint/2010/main" val="1887935217"/>
       </p:ext>
     </p:extLst>
   </p:cSld>
@@ -2746,9 +2733,12 @@
 <p:sldMaster xmlns:a="http://schemas.openxmlformats.org/drawingml/2006/main" xmlns:r="http://schemas.openxmlformats.org/officeDocument/2006/relationships" xmlns:p="http://schemas.openxmlformats.org/presentationml/2006/main">
   <p:cSld>
     <p:bg>
-      <p:bgRef idx="1001">
-        <a:schemeClr val="bg1"/>
-      </p:bgRef>
+      <p:bgPr>
+        <a:solidFill>
+          <a:schemeClr val="accent1"/>
+        </a:solidFill>
+        <a:effectLst/>
+      </p:bgPr>
     </p:bg>
     <p:spTree>
       <p:nvGrpSpPr>
@@ -2766,24 +2756,58 @@
       </p:grpSpPr>
       <p:sp>
         <p:nvSpPr>
-          <p:cNvPr id="2" name="Title Placeholder 1">
-            <a:extLst>
-              <a:ext uri="{FF2B5EF4-FFF2-40B4-BE49-F238E27FC236}">
-                <a16:creationId xmlns:a16="http://schemas.microsoft.com/office/drawing/2014/main" id="{FA904753-B7AC-4C53-AEF6-EB2C789548DB}"/>
-              </a:ext>
-            </a:extLst>
-          </p:cNvPr>
-          <p:cNvSpPr>
-            <a:spLocks noGrp="1"/>
-          </p:cNvSpPr>
-          <p:nvPr>
-            <p:ph type="title"/>
-          </p:nvPr>
+          <p:cNvPr id="7" name="Rectangle 6"/>
+          <p:cNvSpPr>
+            <a:spLocks noChangeAspect="1"/>
+          </p:cNvSpPr>
+          <p:nvPr/>
         </p:nvSpPr>
         <p:spPr>
           <a:xfrm>
-            <a:off x="838200" y="365125"/>
-            <a:ext cx="10515600" cy="1325563"/>
+            <a:off x="231140" y="243840"/>
+            <a:ext cx="11724640" cy="6377939"/>
+          </a:xfrm>
+          <a:prstGeom prst="rect">
+            <a:avLst/>
+          </a:prstGeom>
+          <a:solidFill>
+            <a:schemeClr val="bg1"/>
+          </a:solidFill>
+          <a:ln w="12700">
+            <a:noFill/>
+          </a:ln>
+        </p:spPr>
+        <p:style>
+          <a:lnRef idx="2">
+            <a:schemeClr val="accent1">
+              <a:shade val="50000"/>
+            </a:schemeClr>
+          </a:lnRef>
+          <a:fillRef idx="1">
+            <a:schemeClr val="accent1"/>
+          </a:fillRef>
+          <a:effectRef idx="0">
+            <a:schemeClr val="accent1"/>
+          </a:effectRef>
+          <a:fontRef idx="minor">
+            <a:schemeClr val="lt1"/>
+          </a:fontRef>
+        </p:style>
+      </p:sp>
+      <p:sp>
+        <p:nvSpPr>
+          <p:cNvPr id="2" name="Title Placeholder 1"/>
+          <p:cNvSpPr>
+            <a:spLocks noGrp="1"/>
+          </p:cNvSpPr>
+          <p:nvPr>
+            <p:ph type="title"/>
+          </p:nvPr>
+        </p:nvSpPr>
+        <p:spPr>
+          <a:xfrm>
+            <a:off x="1143000" y="609600"/>
+            <a:ext cx="9875520" cy="1356360"/>
           </a:xfrm>
           <a:prstGeom prst="rect">
             <a:avLst/>
@@ -2799,18 +2823,13 @@
               <a:rPr lang="en-US"/>
               <a:t>Click to edit Master title style</a:t>
             </a:r>
-          </a:p>
-        </p:txBody>
-      </p:sp>
-      <p:sp>
-        <p:nvSpPr>
-          <p:cNvPr id="3" name="Text Placeholder 2">
-            <a:extLst>
-              <a:ext uri="{FF2B5EF4-FFF2-40B4-BE49-F238E27FC236}">
-                <a16:creationId xmlns:a16="http://schemas.microsoft.com/office/drawing/2014/main" id="{72B9EC70-1B65-4402-BC6D-3374F396FC66}"/>
-              </a:ext>
-            </a:extLst>
-          </p:cNvPr>
+            <a:endParaRPr lang="en-US" dirty="0"/>
+          </a:p>
+        </p:txBody>
+      </p:sp>
+      <p:sp>
+        <p:nvSpPr>
+          <p:cNvPr id="3" name="Text Placeholder 2"/>
           <p:cNvSpPr>
             <a:spLocks noGrp="1"/>
           </p:cNvSpPr>
@@ -2820,8 +2839,8 @@
         </p:nvSpPr>
         <p:spPr>
           <a:xfrm>
-            <a:off x="838200" y="1825625"/>
-            <a:ext cx="10515600" cy="4351338"/>
+            <a:off x="1143000" y="2057400"/>
+            <a:ext cx="9872871" cy="4038600"/>
           </a:xfrm>
           <a:prstGeom prst="rect">
             <a:avLst/>
@@ -2866,18 +2885,13 @@
               <a:rPr lang="en-US"/>
               <a:t>Fifth level</a:t>
             </a:r>
-          </a:p>
-        </p:txBody>
-      </p:sp>
-      <p:sp>
-        <p:nvSpPr>
-          <p:cNvPr id="4" name="Date Placeholder 3">
-            <a:extLst>
-              <a:ext uri="{FF2B5EF4-FFF2-40B4-BE49-F238E27FC236}">
-                <a16:creationId xmlns:a16="http://schemas.microsoft.com/office/drawing/2014/main" id="{4E15545A-FDC1-4FF9-827A-732219AF8E9D}"/>
-              </a:ext>
-            </a:extLst>
-          </p:cNvPr>
+            <a:endParaRPr lang="en-US" dirty="0"/>
+          </a:p>
+        </p:txBody>
+      </p:sp>
+      <p:sp>
+        <p:nvSpPr>
+          <p:cNvPr id="4" name="Date Placeholder 3"/>
           <p:cNvSpPr>
             <a:spLocks noGrp="1"/>
           </p:cNvSpPr>
@@ -2887,8 +2901,8 @@
         </p:nvSpPr>
         <p:spPr>
           <a:xfrm>
-            <a:off x="838200" y="6356350"/>
-            <a:ext cx="2743200" cy="365125"/>
+            <a:off x="1142996" y="6223828"/>
+            <a:ext cx="2329074" cy="365125"/>
           </a:xfrm>
           <a:prstGeom prst="rect">
             <a:avLst/>
@@ -2900,9 +2914,7 @@
             <a:lvl1pPr algn="l">
               <a:defRPr sz="1200">
                 <a:solidFill>
-                  <a:schemeClr val="tx1">
-                    <a:tint val="75000"/>
-                  </a:schemeClr>
+                  <a:schemeClr val="accent1"/>
                 </a:solidFill>
               </a:defRPr>
             </a:lvl1pPr>
@@ -2918,13 +2930,7 @@
       </p:sp>
       <p:sp>
         <p:nvSpPr>
-          <p:cNvPr id="5" name="Footer Placeholder 4">
-            <a:extLst>
-              <a:ext uri="{FF2B5EF4-FFF2-40B4-BE49-F238E27FC236}">
-                <a16:creationId xmlns:a16="http://schemas.microsoft.com/office/drawing/2014/main" id="{7D679290-9632-405B-8C44-E5CE6D08619C}"/>
-              </a:ext>
-            </a:extLst>
-          </p:cNvPr>
+          <p:cNvPr id="5" name="Footer Placeholder 4"/>
           <p:cNvSpPr>
             <a:spLocks noGrp="1"/>
           </p:cNvSpPr>
@@ -2934,8 +2940,8 @@
         </p:nvSpPr>
         <p:spPr>
           <a:xfrm>
-            <a:off x="4038600" y="6356350"/>
-            <a:ext cx="4114800" cy="365125"/>
+            <a:off x="3949148" y="6223828"/>
+            <a:ext cx="4717774" cy="365125"/>
           </a:xfrm>
           <a:prstGeom prst="rect">
             <a:avLst/>
@@ -2947,9 +2953,7 @@
             <a:lvl1pPr algn="ctr">
               <a:defRPr sz="1200">
                 <a:solidFill>
-                  <a:schemeClr val="tx1">
-                    <a:tint val="75000"/>
-                  </a:schemeClr>
+                  <a:schemeClr val="accent1"/>
                 </a:solidFill>
               </a:defRPr>
             </a:lvl1pPr>
@@ -2961,13 +2965,7 @@
       </p:sp>
       <p:sp>
         <p:nvSpPr>
-          <p:cNvPr id="6" name="Slide Number Placeholder 5">
-            <a:extLst>
-              <a:ext uri="{FF2B5EF4-FFF2-40B4-BE49-F238E27FC236}">
-                <a16:creationId xmlns:a16="http://schemas.microsoft.com/office/drawing/2014/main" id="{A08218CF-250A-4E44-B271-6DD0C9A8AE23}"/>
-              </a:ext>
-            </a:extLst>
-          </p:cNvPr>
+          <p:cNvPr id="6" name="Slide Number Placeholder 5"/>
           <p:cNvSpPr>
             <a:spLocks noGrp="1"/>
           </p:cNvSpPr>
@@ -2977,8 +2975,8 @@
         </p:nvSpPr>
         <p:spPr>
           <a:xfrm>
-            <a:off x="8610600" y="6356350"/>
-            <a:ext cx="2743200" cy="365125"/>
+            <a:off x="9329530" y="6223828"/>
+            <a:ext cx="1706217" cy="365125"/>
           </a:xfrm>
           <a:prstGeom prst="rect">
             <a:avLst/>
@@ -2990,9 +2988,7 @@
             <a:lvl1pPr algn="r">
               <a:defRPr sz="1200">
                 <a:solidFill>
-                  <a:schemeClr val="tx1">
-                    <a:tint val="75000"/>
-                  </a:schemeClr>
+                  <a:schemeClr val="accent1"/>
                 </a:solidFill>
               </a:defRPr>
             </a:lvl1pPr>
@@ -3009,23 +3005,23 @@
     </p:spTree>
     <p:extLst>
       <p:ext uri="{BB962C8B-B14F-4D97-AF65-F5344CB8AC3E}">
-        <p14:creationId xmlns:p14="http://schemas.microsoft.com/office/powerpoint/2010/main" val="2006209511"/>
+        <p14:creationId xmlns:p14="http://schemas.microsoft.com/office/powerpoint/2010/main" val="4165854322"/>
       </p:ext>
     </p:extLst>
   </p:cSld>
   <p:clrMap bg1="lt1" tx1="dk1" bg2="lt2" tx2="dk2" accent1="accent1" accent2="accent2" accent3="accent3" accent4="accent4" accent5="accent5" accent6="accent6" hlink="hlink" folHlink="folHlink"/>
   <p:sldLayoutIdLst>
-    <p:sldLayoutId id="2147483649" r:id="rId1"/>
-    <p:sldLayoutId id="2147483650" r:id="rId2"/>
-    <p:sldLayoutId id="2147483651" r:id="rId3"/>
-    <p:sldLayoutId id="2147483652" r:id="rId4"/>
-    <p:sldLayoutId id="2147483653" r:id="rId5"/>
-    <p:sldLayoutId id="2147483654" r:id="rId6"/>
-    <p:sldLayoutId id="2147483655" r:id="rId7"/>
-    <p:sldLayoutId id="2147483656" r:id="rId8"/>
-    <p:sldLayoutId id="2147483657" r:id="rId9"/>
-    <p:sldLayoutId id="2147483658" r:id="rId10"/>
-    <p:sldLayoutId id="2147483659" r:id="rId11"/>
+    <p:sldLayoutId id="2147483887" r:id="rId1"/>
+    <p:sldLayoutId id="2147483888" r:id="rId2"/>
+    <p:sldLayoutId id="2147483889" r:id="rId3"/>
+    <p:sldLayoutId id="2147483890" r:id="rId4"/>
+    <p:sldLayoutId id="2147483891" r:id="rId5"/>
+    <p:sldLayoutId id="2147483892" r:id="rId6"/>
+    <p:sldLayoutId id="2147483893" r:id="rId7"/>
+    <p:sldLayoutId id="2147483894" r:id="rId8"/>
+    <p:sldLayoutId id="2147483895" r:id="rId9"/>
+    <p:sldLayoutId id="2147483896" r:id="rId10"/>
+    <p:sldLayoutId id="2147483897" r:id="rId11"/>
   </p:sldLayoutIdLst>
   <p:txStyles>
     <p:titleStyle>
@@ -3039,7 +3035,7 @@
         <a:buNone/>
         <a:defRPr sz="4400" kern="1200">
           <a:solidFill>
-            <a:schemeClr val="tx1"/>
+            <a:schemeClr val="accent1"/>
           </a:solidFill>
           <a:latin typeface="+mj-lt"/>
           <a:ea typeface="+mj-ea"/>
@@ -3048,162 +3044,222 @@
       </a:lvl1pPr>
     </p:titleStyle>
     <p:bodyStyle>
-      <a:lvl1pPr marL="228600" indent="-228600" algn="l" defTabSz="914400" rtl="0" eaLnBrk="1" latinLnBrk="0" hangingPunct="1">
+      <a:lvl1pPr marL="228600" indent="-182880" algn="l" defTabSz="914400" rtl="0" eaLnBrk="1" latinLnBrk="0" hangingPunct="1">
         <a:lnSpc>
           <a:spcPct val="90000"/>
         </a:lnSpc>
         <a:spcBef>
-          <a:spcPts val="1000"/>
+          <a:spcPts val="1400"/>
         </a:spcBef>
-        <a:buFont typeface="Arial" panose="020B0604020202020204" pitchFamily="34" charset="0"/>
+        <a:buClr>
+          <a:schemeClr val="accent1"/>
+        </a:buClr>
+        <a:buSzPct val="80000"/>
+        <a:buFont typeface="Corbel" pitchFamily="34" charset="0"/>
         <a:buChar char="•"/>
-        <a:defRPr sz="2800" kern="1200">
+        <a:defRPr sz="2200" kern="1200">
           <a:solidFill>
-            <a:schemeClr val="tx1"/>
+            <a:schemeClr val="accent1"/>
           </a:solidFill>
           <a:latin typeface="+mn-lt"/>
           <a:ea typeface="+mn-ea"/>
           <a:cs typeface="+mn-cs"/>
         </a:defRPr>
       </a:lvl1pPr>
-      <a:lvl2pPr marL="685800" indent="-228600" algn="l" defTabSz="914400" rtl="0" eaLnBrk="1" latinLnBrk="0" hangingPunct="1">
+      <a:lvl2pPr marL="457200" indent="-182880" algn="l" defTabSz="914400" rtl="0" eaLnBrk="1" latinLnBrk="0" hangingPunct="1">
         <a:lnSpc>
           <a:spcPct val="90000"/>
         </a:lnSpc>
         <a:spcBef>
-          <a:spcPts val="500"/>
+          <a:spcPts val="200"/>
         </a:spcBef>
-        <a:buFont typeface="Arial" panose="020B0604020202020204" pitchFamily="34" charset="0"/>
+        <a:spcAft>
+          <a:spcPts val="400"/>
+        </a:spcAft>
+        <a:buClr>
+          <a:schemeClr val="accent1"/>
+        </a:buClr>
+        <a:buSzPct val="80000"/>
+        <a:buFont typeface="Corbel" pitchFamily="34" charset="0"/>
         <a:buChar char="•"/>
-        <a:defRPr sz="2400" kern="1200">
+        <a:defRPr sz="2000" kern="1200">
           <a:solidFill>
-            <a:schemeClr val="tx1"/>
+            <a:schemeClr val="accent1"/>
           </a:solidFill>
           <a:latin typeface="+mn-lt"/>
           <a:ea typeface="+mn-ea"/>
           <a:cs typeface="+mn-cs"/>
         </a:defRPr>
       </a:lvl2pPr>
-      <a:lvl3pPr marL="1143000" indent="-228600" algn="l" defTabSz="914400" rtl="0" eaLnBrk="1" latinLnBrk="0" hangingPunct="1">
+      <a:lvl3pPr marL="731520" indent="-182880" algn="l" defTabSz="914400" rtl="0" eaLnBrk="1" latinLnBrk="0" hangingPunct="1">
         <a:lnSpc>
           <a:spcPct val="90000"/>
         </a:lnSpc>
         <a:spcBef>
-          <a:spcPts val="500"/>
+          <a:spcPts val="200"/>
         </a:spcBef>
-        <a:buFont typeface="Arial" panose="020B0604020202020204" pitchFamily="34" charset="0"/>
+        <a:spcAft>
+          <a:spcPts val="400"/>
+        </a:spcAft>
+        <a:buClr>
+          <a:schemeClr val="accent1"/>
+        </a:buClr>
+        <a:buSzPct val="80000"/>
+        <a:buFont typeface="Corbel" pitchFamily="34" charset="0"/>
         <a:buChar char="•"/>
-        <a:defRPr sz="2000" kern="1200">
+        <a:defRPr sz="1800" kern="1200">
           <a:solidFill>
-            <a:schemeClr val="tx1"/>
+            <a:schemeClr val="accent1"/>
           </a:solidFill>
           <a:latin typeface="+mn-lt"/>
           <a:ea typeface="+mn-ea"/>
           <a:cs typeface="+mn-cs"/>
         </a:defRPr>
       </a:lvl3pPr>
-      <a:lvl4pPr marL="1600200" indent="-228600" algn="l" defTabSz="914400" rtl="0" eaLnBrk="1" latinLnBrk="0" hangingPunct="1">
+      <a:lvl4pPr marL="1005840" indent="-182880" algn="l" defTabSz="914400" rtl="0" eaLnBrk="1" latinLnBrk="0" hangingPunct="1">
         <a:lnSpc>
           <a:spcPct val="90000"/>
         </a:lnSpc>
         <a:spcBef>
-          <a:spcPts val="500"/>
+          <a:spcPts val="200"/>
         </a:spcBef>
-        <a:buFont typeface="Arial" panose="020B0604020202020204" pitchFamily="34" charset="0"/>
+        <a:spcAft>
+          <a:spcPts val="400"/>
+        </a:spcAft>
+        <a:buClr>
+          <a:schemeClr val="accent1"/>
+        </a:buClr>
+        <a:buSzPct val="80000"/>
+        <a:buFont typeface="Corbel" pitchFamily="34" charset="0"/>
         <a:buChar char="•"/>
-        <a:defRPr sz="1800" kern="1200">
+        <a:defRPr sz="1600" kern="1200">
           <a:solidFill>
-            <a:schemeClr val="tx1"/>
+            <a:schemeClr val="accent1"/>
           </a:solidFill>
           <a:latin typeface="+mn-lt"/>
           <a:ea typeface="+mn-ea"/>
           <a:cs typeface="+mn-cs"/>
         </a:defRPr>
       </a:lvl4pPr>
-      <a:lvl5pPr marL="2057400" indent="-228600" algn="l" defTabSz="914400" rtl="0" eaLnBrk="1" latinLnBrk="0" hangingPunct="1">
+      <a:lvl5pPr marL="1280160" indent="-182880" algn="l" defTabSz="914400" rtl="0" eaLnBrk="1" latinLnBrk="0" hangingPunct="1">
         <a:lnSpc>
           <a:spcPct val="90000"/>
         </a:lnSpc>
         <a:spcBef>
-          <a:spcPts val="500"/>
+          <a:spcPts val="200"/>
         </a:spcBef>
-        <a:buFont typeface="Arial" panose="020B0604020202020204" pitchFamily="34" charset="0"/>
+        <a:spcAft>
+          <a:spcPts val="400"/>
+        </a:spcAft>
+        <a:buClr>
+          <a:schemeClr val="accent1"/>
+        </a:buClr>
+        <a:buSzPct val="80000"/>
+        <a:buFont typeface="Corbel" pitchFamily="34" charset="0"/>
         <a:buChar char="•"/>
-        <a:defRPr sz="1800" kern="1200">
+        <a:defRPr sz="1600" kern="1200">
           <a:solidFill>
-            <a:schemeClr val="tx1"/>
+            <a:schemeClr val="accent1"/>
           </a:solidFill>
           <a:latin typeface="+mn-lt"/>
           <a:ea typeface="+mn-ea"/>
           <a:cs typeface="+mn-cs"/>
         </a:defRPr>
       </a:lvl5pPr>
-      <a:lvl6pPr marL="2514600" indent="-228600" algn="l" defTabSz="914400" rtl="0" eaLnBrk="1" latinLnBrk="0" hangingPunct="1">
+      <a:lvl6pPr marL="1600000" indent="-228600" algn="l" defTabSz="914400" rtl="0" eaLnBrk="1" latinLnBrk="0" hangingPunct="1">
         <a:lnSpc>
           <a:spcPct val="90000"/>
         </a:lnSpc>
         <a:spcBef>
-          <a:spcPts val="500"/>
+          <a:spcPts val="200"/>
         </a:spcBef>
-        <a:buFont typeface="Arial" panose="020B0604020202020204" pitchFamily="34" charset="0"/>
+        <a:spcAft>
+          <a:spcPts val="400"/>
+        </a:spcAft>
+        <a:buClr>
+          <a:schemeClr val="accent1"/>
+        </a:buClr>
+        <a:buSzPct val="80000"/>
+        <a:buFont typeface="Corbel" pitchFamily="34" charset="0"/>
         <a:buChar char="•"/>
-        <a:defRPr sz="1800" kern="1200">
+        <a:defRPr sz="1600" kern="1200">
           <a:solidFill>
-            <a:schemeClr val="tx1"/>
+            <a:schemeClr val="accent1"/>
           </a:solidFill>
           <a:latin typeface="+mn-lt"/>
           <a:ea typeface="+mn-ea"/>
           <a:cs typeface="+mn-cs"/>
         </a:defRPr>
       </a:lvl6pPr>
-      <a:lvl7pPr marL="2971800" indent="-228600" algn="l" defTabSz="914400" rtl="0" eaLnBrk="1" latinLnBrk="0" hangingPunct="1">
+      <a:lvl7pPr marL="1900000" indent="-228600" algn="l" defTabSz="914400" rtl="0" eaLnBrk="1" latinLnBrk="0" hangingPunct="1">
         <a:lnSpc>
           <a:spcPct val="90000"/>
         </a:lnSpc>
         <a:spcBef>
-          <a:spcPts val="500"/>
+          <a:spcPts val="200"/>
         </a:spcBef>
-        <a:buFont typeface="Arial" panose="020B0604020202020204" pitchFamily="34" charset="0"/>
+        <a:spcAft>
+          <a:spcPts val="400"/>
+        </a:spcAft>
+        <a:buClr>
+          <a:schemeClr val="accent1"/>
+        </a:buClr>
+        <a:buSzPct val="80000"/>
+        <a:buFont typeface="Corbel" pitchFamily="34" charset="0"/>
         <a:buChar char="•"/>
-        <a:defRPr sz="1800" kern="1200">
+        <a:defRPr sz="1600" kern="1200">
           <a:solidFill>
-            <a:schemeClr val="tx1"/>
+            <a:schemeClr val="accent1"/>
           </a:solidFill>
           <a:latin typeface="+mn-lt"/>
           <a:ea typeface="+mn-ea"/>
           <a:cs typeface="+mn-cs"/>
         </a:defRPr>
       </a:lvl7pPr>
-      <a:lvl8pPr marL="3429000" indent="-228600" algn="l" defTabSz="914400" rtl="0" eaLnBrk="1" latinLnBrk="0" hangingPunct="1">
+      <a:lvl8pPr marL="2200000" indent="-228600" algn="l" defTabSz="914400" rtl="0" eaLnBrk="1" latinLnBrk="0" hangingPunct="1">
         <a:lnSpc>
           <a:spcPct val="90000"/>
         </a:lnSpc>
         <a:spcBef>
-          <a:spcPts val="500"/>
+          <a:spcPts val="200"/>
         </a:spcBef>
-        <a:buFont typeface="Arial" panose="020B0604020202020204" pitchFamily="34" charset="0"/>
+        <a:spcAft>
+          <a:spcPts val="400"/>
+        </a:spcAft>
+        <a:buClr>
+          <a:schemeClr val="accent1"/>
+        </a:buClr>
+        <a:buSzPct val="80000"/>
+        <a:buFont typeface="Corbel" pitchFamily="34" charset="0"/>
         <a:buChar char="•"/>
-        <a:defRPr sz="1800" kern="1200">
+        <a:defRPr sz="1600" kern="1200">
           <a:solidFill>
-            <a:schemeClr val="tx1"/>
+            <a:schemeClr val="accent1"/>
           </a:solidFill>
           <a:latin typeface="+mn-lt"/>
           <a:ea typeface="+mn-ea"/>
           <a:cs typeface="+mn-cs"/>
         </a:defRPr>
       </a:lvl8pPr>
-      <a:lvl9pPr marL="3886200" indent="-228600" algn="l" defTabSz="914400" rtl="0" eaLnBrk="1" latinLnBrk="0" hangingPunct="1">
+      <a:lvl9pPr marL="2500000" indent="-228600" algn="l" defTabSz="914400" rtl="0" eaLnBrk="1" latinLnBrk="0" hangingPunct="1">
         <a:lnSpc>
           <a:spcPct val="90000"/>
         </a:lnSpc>
         <a:spcBef>
-          <a:spcPts val="500"/>
+          <a:spcPts val="200"/>
         </a:spcBef>
-        <a:buFont typeface="Arial" panose="020B0604020202020204" pitchFamily="34" charset="0"/>
+        <a:spcAft>
+          <a:spcPts val="400"/>
+        </a:spcAft>
+        <a:buClr>
+          <a:schemeClr val="accent1"/>
+        </a:buClr>
+        <a:buSzPct val="80000"/>
+        <a:buFont typeface="Corbel" pitchFamily="34" charset="0"/>
         <a:buChar char="•"/>
-        <a:defRPr sz="1800" kern="1200">
+        <a:defRPr sz="1600" kern="1200">
           <a:solidFill>
-            <a:schemeClr val="tx1"/>
+            <a:schemeClr val="accent1"/>
           </a:solidFill>
           <a:latin typeface="+mn-lt"/>
           <a:ea typeface="+mn-ea"/>
@@ -3307,6 +3363,11 @@
       </a:lvl9pPr>
     </p:otherStyle>
   </p:txStyles>
+  <p:extLst>
+    <p:ext uri="{27BBF7A9-308A-43DC-89C8-2F10F3537804}">
+      <p15:sldGuideLst xmlns:p15="http://schemas.microsoft.com/office/powerpoint/2012/main"/>
+    </p:ext>
+  </p:extLst>
 </p:sldMaster>
 </file>
 
@@ -3434,6 +3495,7 @@
           <a:bodyPr/>
           <a:lstStyle/>
           <a:p>
+            <a:pPr algn="ctr"/>
             <a:r>
               <a:rPr lang="en-US" dirty="0"/>
               <a:t>Why?</a:t>
@@ -3459,29 +3521,31 @@
         </p:nvSpPr>
         <p:spPr/>
         <p:txBody>
-          <a:bodyPr/>
-          <a:lstStyle/>
-          <a:p>
-            <a:r>
-              <a:rPr lang="en-US" dirty="0"/>
-              <a:t>Climbing, can be an individual sport, if you plan on bouldering or self-belaying(securing yourself with each anchor point), however, sport(top-rope) and traditional climbing can require a partner for belaying or help with beta(route insight). </a:t>
-            </a:r>
-          </a:p>
-          <a:p>
-            <a:r>
-              <a:rPr lang="en-US" dirty="0"/>
+          <a:bodyPr>
+            <a:noAutofit/>
+          </a:bodyPr>
+          <a:lstStyle/>
+          <a:p>
+            <a:r>
+              <a:rPr lang="en-US" sz="2600" dirty="0"/>
+              <a:t>Climbing, can be an individual sport; If you plan on bouldering or self-belaying(securing yourself with each anchor point), however, sport(top-rope) and traditional climbing can require a partner for belaying or help with beta(route insight). </a:t>
+            </a:r>
+          </a:p>
+          <a:p>
+            <a:r>
+              <a:rPr lang="en-US" sz="2600" dirty="0"/>
               <a:t>Maybe you’re solo exploring a new area but need a partner to climb with?</a:t>
             </a:r>
           </a:p>
           <a:p>
             <a:r>
-              <a:rPr lang="en-US" dirty="0"/>
+              <a:rPr lang="en-US" sz="2600" dirty="0"/>
               <a:t>Maybe you spend 2 days driving to this new location and forgot some equipment?</a:t>
             </a:r>
           </a:p>
           <a:p>
             <a:r>
-              <a:rPr lang="en-US" dirty="0"/>
+              <a:rPr lang="en-US" sz="2600" dirty="0"/>
               <a:t>Maybe you just need help from experienced climbers in the area but don’t know anyone or their experience levels? </a:t>
             </a:r>
           </a:p>
@@ -3522,7 +3586,7 @@
           <p:cNvPr id="2" name="Title 1">
             <a:extLst>
               <a:ext uri="{FF2B5EF4-FFF2-40B4-BE49-F238E27FC236}">
-                <a16:creationId xmlns:a16="http://schemas.microsoft.com/office/drawing/2014/main" id="{7C2FFD83-5086-4AFD-80AE-B74A4AC4527F}"/>
+                <a16:creationId xmlns:a16="http://schemas.microsoft.com/office/drawing/2014/main" id="{ACD083A6-BF25-4EC0-9D8D-0AF94CD4ECF3}"/>
               </a:ext>
             </a:extLst>
           </p:cNvPr>
@@ -3538,6 +3602,7 @@
           <a:bodyPr/>
           <a:lstStyle/>
           <a:p>
+            <a:pPr algn="ctr"/>
             <a:r>
               <a:rPr lang="en-US" dirty="0"/>
               <a:t>Proposal</a:t>
@@ -3550,7 +3615,7 @@
           <p:cNvPr id="3" name="Content Placeholder 2">
             <a:extLst>
               <a:ext uri="{FF2B5EF4-FFF2-40B4-BE49-F238E27FC236}">
-                <a16:creationId xmlns:a16="http://schemas.microsoft.com/office/drawing/2014/main" id="{A8DA0482-0766-4006-983B-93D8F3A735FA}"/>
+                <a16:creationId xmlns:a16="http://schemas.microsoft.com/office/drawing/2014/main" id="{26B2290B-2F77-4675-8E86-1DF2867AF55C}"/>
               </a:ext>
             </a:extLst>
           </p:cNvPr>
@@ -3558,31 +3623,68 @@
             <a:spLocks noGrp="1"/>
           </p:cNvSpPr>
           <p:nvPr>
-            <p:ph idx="1"/>
-          </p:nvPr>
-        </p:nvSpPr>
-        <p:spPr/>
-        <p:txBody>
-          <a:bodyPr/>
-          <a:lstStyle/>
-          <a:p>
-            <a:r>
-              <a:rPr lang="en-US" dirty="0"/>
+            <p:ph sz="half" idx="1"/>
+          </p:nvPr>
+        </p:nvSpPr>
+        <p:spPr>
+          <a:xfrm>
+            <a:off x="1143000" y="2057399"/>
+            <a:ext cx="4953000" cy="4023360"/>
+          </a:xfrm>
+        </p:spPr>
+        <p:txBody>
+          <a:bodyPr/>
+          <a:lstStyle/>
+          <a:p>
+            <a:r>
+              <a:rPr lang="en-US" sz="2400" dirty="0"/>
               <a:t>An application that organizes and displays information for climbing routes in various locations around the world</a:t>
             </a:r>
           </a:p>
           <a:p>
-            <a:pPr marL="457200" lvl="1" indent="0">
-              <a:buNone/>
-            </a:pPr>
             <a:endParaRPr lang="en-US" dirty="0"/>
           </a:p>
         </p:txBody>
       </p:sp>
+      <p:pic>
+        <p:nvPicPr>
+          <p:cNvPr id="10" name="Content Placeholder 9">
+            <a:extLst>
+              <a:ext uri="{FF2B5EF4-FFF2-40B4-BE49-F238E27FC236}">
+                <a16:creationId xmlns:a16="http://schemas.microsoft.com/office/drawing/2014/main" id="{3A1E87E7-C62F-4426-ABF4-1CA14A4CD115}"/>
+              </a:ext>
+            </a:extLst>
+          </p:cNvPr>
+          <p:cNvPicPr>
+            <a:picLocks noGrp="1" noChangeAspect="1"/>
+          </p:cNvPicPr>
+          <p:nvPr>
+            <p:ph sz="half" idx="2"/>
+          </p:nvPr>
+        </p:nvPicPr>
+        <p:blipFill>
+          <a:blip r:embed="rId2">
+            <a:extLst>
+              <a:ext uri="{28A0092B-C50C-407E-A947-70E740481C1C}">
+                <a14:useLocalDpi xmlns:a14="http://schemas.microsoft.com/office/drawing/2010/main" val="0"/>
+              </a:ext>
+            </a:extLst>
+          </a:blip>
+          <a:stretch>
+            <a:fillRect/>
+          </a:stretch>
+        </p:blipFill>
+        <p:spPr>
+          <a:xfrm>
+            <a:off x="7233385" y="2057400"/>
+            <a:ext cx="3815615" cy="4023360"/>
+          </a:xfrm>
+        </p:spPr>
+      </p:pic>
     </p:spTree>
     <p:extLst>
       <p:ext uri="{BB962C8B-B14F-4D97-AF65-F5344CB8AC3E}">
-        <p14:creationId xmlns:p14="http://schemas.microsoft.com/office/powerpoint/2010/main" val="3458092661"/>
+        <p14:creationId xmlns:p14="http://schemas.microsoft.com/office/powerpoint/2010/main" val="2862790212"/>
       </p:ext>
     </p:extLst>
   </p:cSld>
@@ -3630,6 +3732,7 @@
           <a:bodyPr/>
           <a:lstStyle/>
           <a:p>
+            <a:pPr algn="ctr"/>
             <a:r>
               <a:rPr lang="en-US" dirty="0"/>
               <a:t>App Features</a:t>
@@ -3655,45 +3758,47 @@
         </p:nvSpPr>
         <p:spPr/>
         <p:txBody>
-          <a:bodyPr/>
-          <a:lstStyle/>
-          <a:p>
-            <a:r>
-              <a:rPr lang="en-US" dirty="0"/>
+          <a:bodyPr>
+            <a:normAutofit lnSpcReduction="10000"/>
+          </a:bodyPr>
+          <a:lstStyle/>
+          <a:p>
+            <a:r>
+              <a:rPr lang="en-US" sz="2800" dirty="0"/>
               <a:t>Organizes and displays information regarding, locations, routes(route identifying, beta, images, detailed descriptions, ratings, </a:t>
             </a:r>
             <a:r>
-              <a:rPr lang="en-US" dirty="0" err="1"/>
+              <a:rPr lang="en-US" sz="2800" dirty="0" err="1"/>
               <a:t>etc</a:t>
             </a:r>
             <a:r>
-              <a:rPr lang="en-US" dirty="0"/>
+              <a:rPr lang="en-US" sz="2800" dirty="0"/>
               <a:t>)</a:t>
             </a:r>
           </a:p>
           <a:p>
             <a:r>
-              <a:rPr lang="en-US" dirty="0"/>
-              <a:t>A classified section for searching for partners/equipment for sale</a:t>
-            </a:r>
-          </a:p>
-          <a:p>
-            <a:r>
-              <a:rPr lang="en-US" dirty="0"/>
-              <a:t>A Bulletin board for climbers to ask for or to give advice and warnings(</a:t>
-            </a:r>
-            <a:r>
-              <a:rPr lang="en-US" dirty="0" err="1"/>
+              <a:rPr lang="en-US" sz="2800" dirty="0"/>
+              <a:t>A classified section for searching for partners or equipment for sale</a:t>
+            </a:r>
+          </a:p>
+          <a:p>
+            <a:r>
+              <a:rPr lang="en-US" sz="2800" dirty="0"/>
+              <a:t>A Bulletin board for climbers to ask or give advice and warnings(</a:t>
+            </a:r>
+            <a:r>
+              <a:rPr lang="en-US" sz="2800" dirty="0" err="1"/>
               <a:t>choss</a:t>
             </a:r>
             <a:r>
-              <a:rPr lang="en-US" dirty="0"/>
+              <a:rPr lang="en-US" sz="2800" dirty="0"/>
               <a:t>[debris], broken anchors, sketchy holds)</a:t>
             </a:r>
           </a:p>
           <a:p>
             <a:r>
-              <a:rPr lang="en-US" dirty="0"/>
+              <a:rPr lang="en-US" sz="2800" dirty="0"/>
               <a:t>Profiles to record the many routes that you send, to show experiences and personal climbing merits</a:t>
             </a:r>
           </a:p>
@@ -3753,6 +3858,7 @@
           <a:bodyPr/>
           <a:lstStyle/>
           <a:p>
+            <a:pPr algn="ctr"/>
             <a:r>
               <a:rPr lang="en-US" dirty="0"/>
               <a:t>Phone Requirements</a:t>
@@ -3781,7 +3887,28 @@
           <a:bodyPr/>
           <a:lstStyle/>
           <a:p>
-            <a:endParaRPr lang="en-US"/>
+            <a:r>
+              <a:rPr lang="en-US" sz="2800" dirty="0"/>
+              <a:t>Internet connectivity</a:t>
+            </a:r>
+          </a:p>
+          <a:p>
+            <a:r>
+              <a:rPr lang="en-US" sz="2800" dirty="0"/>
+              <a:t>Camera</a:t>
+            </a:r>
+          </a:p>
+          <a:p>
+            <a:r>
+              <a:rPr lang="en-US" sz="2800" dirty="0"/>
+              <a:t>Data Storage(depending on how much is downloaded for offline access)</a:t>
+            </a:r>
+          </a:p>
+          <a:p>
+            <a:pPr marL="45720" indent="0">
+              <a:buNone/>
+            </a:pPr>
+            <a:endParaRPr lang="en-US" dirty="0"/>
           </a:p>
         </p:txBody>
       </p:sp>
@@ -3820,7 +3947,7 @@
           <p:cNvPr id="2" name="Title 1">
             <a:extLst>
               <a:ext uri="{FF2B5EF4-FFF2-40B4-BE49-F238E27FC236}">
-                <a16:creationId xmlns:a16="http://schemas.microsoft.com/office/drawing/2014/main" id="{9FA16121-4D14-4085-B5F5-ED21634082DE}"/>
+                <a16:creationId xmlns:a16="http://schemas.microsoft.com/office/drawing/2014/main" id="{2DD6B8E7-9020-4F28-B5D4-50BCAF8EC5A0}"/>
               </a:ext>
             </a:extLst>
           </p:cNvPr>
@@ -3836,6 +3963,7 @@
           <a:bodyPr/>
           <a:lstStyle/>
           <a:p>
+            <a:pPr algn="ctr"/>
             <a:r>
               <a:rPr lang="en-US" dirty="0"/>
               <a:t>Project Timeline</a:t>
@@ -3848,7 +3976,7 @@
           <p:cNvPr id="3" name="Content Placeholder 2">
             <a:extLst>
               <a:ext uri="{FF2B5EF4-FFF2-40B4-BE49-F238E27FC236}">
-                <a16:creationId xmlns:a16="http://schemas.microsoft.com/office/drawing/2014/main" id="{C7050022-7C22-4E14-B39C-26AFC550C759}"/>
+                <a16:creationId xmlns:a16="http://schemas.microsoft.com/office/drawing/2014/main" id="{A3928355-B414-4FB4-B8E5-042E73ADB469}"/>
               </a:ext>
             </a:extLst>
           </p:cNvPr>
@@ -3856,22 +3984,106 @@
             <a:spLocks noGrp="1"/>
           </p:cNvSpPr>
           <p:nvPr>
-            <p:ph idx="1"/>
-          </p:nvPr>
-        </p:nvSpPr>
-        <p:spPr/>
-        <p:txBody>
-          <a:bodyPr/>
-          <a:lstStyle/>
-          <a:p>
-            <a:endParaRPr lang="en-US"/>
-          </a:p>
-        </p:txBody>
-      </p:sp>
+            <p:ph sz="half" idx="1"/>
+          </p:nvPr>
+        </p:nvSpPr>
+        <p:spPr/>
+        <p:txBody>
+          <a:bodyPr>
+            <a:normAutofit/>
+          </a:bodyPr>
+          <a:lstStyle/>
+          <a:p>
+            <a:pPr marL="560070" indent="-514350">
+              <a:buFont typeface="+mj-lt"/>
+              <a:buAutoNum type="arabicPeriod"/>
+            </a:pPr>
+            <a:r>
+              <a:rPr lang="en-US" sz="3200" dirty="0"/>
+              <a:t>Design and Finite state</a:t>
+            </a:r>
+          </a:p>
+          <a:p>
+            <a:pPr marL="560070" indent="-514350">
+              <a:buFont typeface="+mj-lt"/>
+              <a:buAutoNum type="arabicPeriod"/>
+            </a:pPr>
+            <a:r>
+              <a:rPr lang="en-US" sz="3200" dirty="0"/>
+              <a:t>Display of data, account functionality</a:t>
+            </a:r>
+          </a:p>
+          <a:p>
+            <a:pPr marL="560070" indent="-514350">
+              <a:buFont typeface="+mj-lt"/>
+              <a:buAutoNum type="arabicPeriod"/>
+            </a:pPr>
+            <a:r>
+              <a:rPr lang="en-US" sz="3200" dirty="0"/>
+              <a:t>Messaging board functionality</a:t>
+            </a:r>
+          </a:p>
+          <a:p>
+            <a:pPr marL="560070" indent="-514350">
+              <a:buFont typeface="+mj-lt"/>
+              <a:buAutoNum type="arabicPeriod"/>
+            </a:pPr>
+            <a:r>
+              <a:rPr lang="en-US" sz="3200" dirty="0"/>
+              <a:t>Testing </a:t>
+            </a:r>
+          </a:p>
+          <a:p>
+            <a:pPr marL="560070" indent="-514350">
+              <a:buFont typeface="+mj-lt"/>
+              <a:buAutoNum type="arabicPeriod"/>
+            </a:pPr>
+            <a:r>
+              <a:rPr lang="en-US" sz="3200" dirty="0"/>
+              <a:t>Finished product</a:t>
+            </a:r>
+          </a:p>
+        </p:txBody>
+      </p:sp>
+      <p:pic>
+        <p:nvPicPr>
+          <p:cNvPr id="9" name="Content Placeholder 8">
+            <a:extLst>
+              <a:ext uri="{FF2B5EF4-FFF2-40B4-BE49-F238E27FC236}">
+                <a16:creationId xmlns:a16="http://schemas.microsoft.com/office/drawing/2014/main" id="{7FBA090A-2618-45E2-9C71-96DC7763D211}"/>
+              </a:ext>
+            </a:extLst>
+          </p:cNvPr>
+          <p:cNvPicPr>
+            <a:picLocks noGrp="1" noChangeAspect="1"/>
+          </p:cNvPicPr>
+          <p:nvPr>
+            <p:ph sz="half" idx="2"/>
+          </p:nvPr>
+        </p:nvPicPr>
+        <p:blipFill>
+          <a:blip r:embed="rId2">
+            <a:extLst>
+              <a:ext uri="{28A0092B-C50C-407E-A947-70E740481C1C}">
+                <a14:useLocalDpi xmlns:a14="http://schemas.microsoft.com/office/drawing/2010/main" val="0"/>
+              </a:ext>
+            </a:extLst>
+          </a:blip>
+          <a:stretch>
+            <a:fillRect/>
+          </a:stretch>
+        </p:blipFill>
+        <p:spPr>
+          <a:xfrm>
+            <a:off x="6267450" y="2285801"/>
+            <a:ext cx="4754563" cy="3565922"/>
+          </a:xfrm>
+        </p:spPr>
+      </p:pic>
     </p:spTree>
     <p:extLst>
       <p:ext uri="{BB962C8B-B14F-4D97-AF65-F5344CB8AC3E}">
-        <p14:creationId xmlns:p14="http://schemas.microsoft.com/office/powerpoint/2010/main" val="3514598838"/>
+        <p14:creationId xmlns:p14="http://schemas.microsoft.com/office/powerpoint/2010/main" val="868474546"/>
       </p:ext>
     </p:extLst>
   </p:cSld>
@@ -3965,110 +4177,58 @@
 </file>
 
 <file path=ppt/theme/theme1.xml><?xml version="1.0" encoding="utf-8"?>
-<a:theme xmlns:a="http://schemas.openxmlformats.org/drawingml/2006/main" name="Office Theme">
+<a:theme xmlns:a="http://schemas.openxmlformats.org/drawingml/2006/main" name="Basis">
   <a:themeElements>
-    <a:clrScheme name="Office">
+    <a:clrScheme name="Custom 13">
       <a:dk1>
-        <a:sysClr val="windowText" lastClr="000000"/>
+        <a:srgbClr val="000000"/>
       </a:dk1>
       <a:lt1>
-        <a:sysClr val="window" lastClr="FFFFFF"/>
+        <a:srgbClr val="FFFFFF"/>
       </a:lt1>
       <a:dk2>
-        <a:srgbClr val="44546A"/>
+        <a:srgbClr val="565349"/>
       </a:dk2>
       <a:lt2>
-        <a:srgbClr val="E7E6E6"/>
+        <a:srgbClr val="DDDDDD"/>
       </a:lt2>
       <a:accent1>
-        <a:srgbClr val="4472C4"/>
+        <a:srgbClr val="A6B727"/>
       </a:accent1>
       <a:accent2>
-        <a:srgbClr val="ED7D31"/>
+        <a:srgbClr val="DF5327"/>
       </a:accent2>
       <a:accent3>
-        <a:srgbClr val="A5A5A5"/>
+        <a:srgbClr val="FE9E00"/>
       </a:accent3>
       <a:accent4>
-        <a:srgbClr val="FFC000"/>
+        <a:srgbClr val="418AB3"/>
       </a:accent4>
       <a:accent5>
-        <a:srgbClr val="5B9BD5"/>
+        <a:srgbClr val="D7D447"/>
       </a:accent5>
       <a:accent6>
-        <a:srgbClr val="70AD47"/>
+        <a:srgbClr val="818183"/>
       </a:accent6>
       <a:hlink>
-        <a:srgbClr val="0563C1"/>
+        <a:srgbClr val="F59E00"/>
       </a:hlink>
       <a:folHlink>
-        <a:srgbClr val="954F72"/>
+        <a:srgbClr val="B2B2B2"/>
       </a:folHlink>
     </a:clrScheme>
-    <a:fontScheme name="Office">
+    <a:fontScheme name="Basis">
       <a:majorFont>
-        <a:latin typeface="Calibri Light" panose="020F0302020204030204"/>
+        <a:latin typeface="Corbel" panose="020B0503020204020204"/>
         <a:ea typeface=""/>
         <a:cs typeface=""/>
-        <a:font script="Jpan" typeface="游ゴシック Light"/>
+        <a:font script="Jpan" typeface="ＭＳ ゴシック"/>
         <a:font script="Hang" typeface="맑은 고딕"/>
-        <a:font script="Hans" typeface="等线 Light"/>
+        <a:font script="Hans" typeface="宋体"/>
         <a:font script="Hant" typeface="新細明體"/>
-        <a:font script="Arab" typeface="Times New Roman"/>
-        <a:font script="Hebr" typeface="Times New Roman"/>
-        <a:font script="Thai" typeface="Angsana New"/>
-        <a:font script="Ethi" typeface="Nyala"/>
-        <a:font script="Beng" typeface="Vrinda"/>
-        <a:font script="Gujr" typeface="Shruti"/>
-        <a:font script="Khmr" typeface="MoolBoran"/>
-        <a:font script="Knda" typeface="Tunga"/>
-        <a:font script="Guru" typeface="Raavi"/>
-        <a:font script="Cans" typeface="Euphemia"/>
-        <a:font script="Cher" typeface="Plantagenet Cherokee"/>
-        <a:font script="Yiii" typeface="Microsoft Yi Baiti"/>
-        <a:font script="Tibt" typeface="Microsoft Himalaya"/>
-        <a:font script="Thaa" typeface="MV Boli"/>
-        <a:font script="Deva" typeface="Mangal"/>
-        <a:font script="Telu" typeface="Gautami"/>
-        <a:font script="Taml" typeface="Latha"/>
-        <a:font script="Syrc" typeface="Estrangelo Edessa"/>
-        <a:font script="Orya" typeface="Kalinga"/>
-        <a:font script="Mlym" typeface="Kartika"/>
-        <a:font script="Laoo" typeface="DokChampa"/>
-        <a:font script="Sinh" typeface="Iskoola Pota"/>
-        <a:font script="Mong" typeface="Mongolian Baiti"/>
-        <a:font script="Viet" typeface="Times New Roman"/>
-        <a:font script="Uigh" typeface="Microsoft Uighur"/>
-        <a:font script="Geor" typeface="Sylfaen"/>
-        <a:font script="Armn" typeface="Arial"/>
-        <a:font script="Bugi" typeface="Leelawadee UI"/>
-        <a:font script="Bopo" typeface="Microsoft JhengHei"/>
-        <a:font script="Java" typeface="Javanese Text"/>
-        <a:font script="Lisu" typeface="Segoe UI"/>
-        <a:font script="Mymr" typeface="Myanmar Text"/>
-        <a:font script="Nkoo" typeface="Ebrima"/>
-        <a:font script="Olck" typeface="Nirmala UI"/>
-        <a:font script="Osma" typeface="Ebrima"/>
-        <a:font script="Phag" typeface="Phagspa"/>
-        <a:font script="Syrn" typeface="Estrangelo Edessa"/>
-        <a:font script="Syrj" typeface="Estrangelo Edessa"/>
-        <a:font script="Syre" typeface="Estrangelo Edessa"/>
-        <a:font script="Sora" typeface="Nirmala UI"/>
-        <a:font script="Tale" typeface="Microsoft Tai Le"/>
-        <a:font script="Talu" typeface="Microsoft New Tai Lue"/>
-        <a:font script="Tfng" typeface="Ebrima"/>
-      </a:majorFont>
-      <a:minorFont>
-        <a:latin typeface="Calibri" panose="020F0502020204030204"/>
-        <a:ea typeface=""/>
-        <a:cs typeface=""/>
-        <a:font script="Jpan" typeface="游ゴシック"/>
-        <a:font script="Hang" typeface="맑은 고딕"/>
-        <a:font script="Hans" typeface="等线"/>
-        <a:font script="Hant" typeface="新細明體"/>
-        <a:font script="Arab" typeface="Arial"/>
-        <a:font script="Hebr" typeface="Arial"/>
-        <a:font script="Thai" typeface="Cordia New"/>
+        <a:font script="Arab" typeface="Tahoma"/>
+        <a:font script="Hebr" typeface="Gisha"/>
+        <a:font script="Thai" typeface="DilleniaUPC"/>
         <a:font script="Ethi" typeface="Nyala"/>
         <a:font script="Beng" typeface="Vrinda"/>
         <a:font script="Gujr" typeface="Shruti"/>
@@ -4089,107 +4249,98 @@
         <a:font script="Laoo" typeface="DokChampa"/>
         <a:font script="Sinh" typeface="Iskoola Pota"/>
         <a:font script="Mong" typeface="Mongolian Baiti"/>
-        <a:font script="Viet" typeface="Arial"/>
+        <a:font script="Viet" typeface="Tahoma"/>
         <a:font script="Uigh" typeface="Microsoft Uighur"/>
         <a:font script="Geor" typeface="Sylfaen"/>
-        <a:font script="Armn" typeface="Arial"/>
-        <a:font script="Bugi" typeface="Leelawadee UI"/>
-        <a:font script="Bopo" typeface="Microsoft JhengHei"/>
-        <a:font script="Java" typeface="Javanese Text"/>
-        <a:font script="Lisu" typeface="Segoe UI"/>
-        <a:font script="Mymr" typeface="Myanmar Text"/>
-        <a:font script="Nkoo" typeface="Ebrima"/>
-        <a:font script="Olck" typeface="Nirmala UI"/>
-        <a:font script="Osma" typeface="Ebrima"/>
-        <a:font script="Phag" typeface="Phagspa"/>
-        <a:font script="Syrn" typeface="Estrangelo Edessa"/>
-        <a:font script="Syrj" typeface="Estrangelo Edessa"/>
-        <a:font script="Syre" typeface="Estrangelo Edessa"/>
-        <a:font script="Sora" typeface="Nirmala UI"/>
-        <a:font script="Tale" typeface="Microsoft Tai Le"/>
-        <a:font script="Talu" typeface="Microsoft New Tai Lue"/>
-        <a:font script="Tfng" typeface="Ebrima"/>
+      </a:majorFont>
+      <a:minorFont>
+        <a:latin typeface="Corbel" panose="020B0503020204020204"/>
+        <a:ea typeface=""/>
+        <a:cs typeface=""/>
+        <a:font script="Jpan" typeface="ＭＳ ゴシック"/>
+        <a:font script="Hang" typeface="맑은 고딕"/>
+        <a:font script="Hans" typeface="宋体"/>
+        <a:font script="Hant" typeface="新細明體"/>
+        <a:font script="Arab" typeface="Tahoma"/>
+        <a:font script="Hebr" typeface="Gisha"/>
+        <a:font script="Thai" typeface="DilleniaUPC"/>
+        <a:font script="Ethi" typeface="Nyala"/>
+        <a:font script="Beng" typeface="Vrinda"/>
+        <a:font script="Gujr" typeface="Shruti"/>
+        <a:font script="Khmr" typeface="DaunPenh"/>
+        <a:font script="Knda" typeface="Tunga"/>
+        <a:font script="Guru" typeface="Raavi"/>
+        <a:font script="Cans" typeface="Euphemia"/>
+        <a:font script="Cher" typeface="Plantagenet Cherokee"/>
+        <a:font script="Yiii" typeface="Microsoft Yi Baiti"/>
+        <a:font script="Tibt" typeface="Microsoft Himalaya"/>
+        <a:font script="Thaa" typeface="MV Boli"/>
+        <a:font script="Deva" typeface="Mangal"/>
+        <a:font script="Telu" typeface="Gautami"/>
+        <a:font script="Taml" typeface="Latha"/>
+        <a:font script="Syrc" typeface="Estrangelo Edessa"/>
+        <a:font script="Orya" typeface="Kalinga"/>
+        <a:font script="Mlym" typeface="Kartika"/>
+        <a:font script="Laoo" typeface="DokChampa"/>
+        <a:font script="Sinh" typeface="Iskoola Pota"/>
+        <a:font script="Mong" typeface="Mongolian Baiti"/>
+        <a:font script="Viet" typeface="Verdana"/>
+        <a:font script="Uigh" typeface="Microsoft Uighur"/>
+        <a:font script="Geor" typeface="Sylfaen"/>
       </a:minorFont>
     </a:fontScheme>
-    <a:fmtScheme name="Office">
+    <a:fmtScheme name="Basis">
       <a:fillStyleLst>
         <a:solidFill>
           <a:schemeClr val="phClr"/>
         </a:solidFill>
+        <a:solidFill>
+          <a:schemeClr val="phClr">
+            <a:tint val="55000"/>
+            <a:satMod val="130000"/>
+          </a:schemeClr>
+        </a:solidFill>
         <a:gradFill rotWithShape="1">
           <a:gsLst>
             <a:gs pos="0">
+              <a:schemeClr val="phClr"/>
+            </a:gs>
+            <a:gs pos="90000">
               <a:schemeClr val="phClr">
-                <a:lumMod val="110000"/>
+                <a:shade val="100000"/>
                 <a:satMod val="105000"/>
-                <a:tint val="67000"/>
-              </a:schemeClr>
-            </a:gs>
-            <a:gs pos="50000">
-              <a:schemeClr val="phClr">
-                <a:lumMod val="105000"/>
-                <a:satMod val="103000"/>
-                <a:tint val="73000"/>
               </a:schemeClr>
             </a:gs>
             <a:gs pos="100000">
               <a:schemeClr val="phClr">
-                <a:lumMod val="105000"/>
-                <a:satMod val="109000"/>
-                <a:tint val="81000"/>
+                <a:shade val="80000"/>
+                <a:satMod val="120000"/>
               </a:schemeClr>
             </a:gs>
           </a:gsLst>
-          <a:lin ang="5400000" scaled="0"/>
-        </a:gradFill>
-        <a:gradFill rotWithShape="1">
-          <a:gsLst>
-            <a:gs pos="0">
-              <a:schemeClr val="phClr">
-                <a:satMod val="103000"/>
-                <a:lumMod val="102000"/>
-                <a:tint val="94000"/>
-              </a:schemeClr>
-            </a:gs>
-            <a:gs pos="50000">
-              <a:schemeClr val="phClr">
-                <a:satMod val="110000"/>
-                <a:lumMod val="100000"/>
-                <a:shade val="100000"/>
-              </a:schemeClr>
-            </a:gs>
-            <a:gs pos="100000">
-              <a:schemeClr val="phClr">
-                <a:lumMod val="99000"/>
-                <a:satMod val="120000"/>
-                <a:shade val="78000"/>
-              </a:schemeClr>
-            </a:gs>
-          </a:gsLst>
-          <a:lin ang="5400000" scaled="0"/>
+          <a:path path="circle">
+            <a:fillToRect l="100000" t="100000" r="100000" b="100000"/>
+          </a:path>
         </a:gradFill>
       </a:fillStyleLst>
       <a:lnStyleLst>
-        <a:ln w="6350" cap="flat" cmpd="sng" algn="ctr">
+        <a:ln w="10000" cap="flat" cmpd="sng" algn="ctr">
           <a:solidFill>
             <a:schemeClr val="phClr"/>
           </a:solidFill>
           <a:prstDash val="solid"/>
-          <a:miter lim="800000"/>
-        </a:ln>
-        <a:ln w="12700" cap="flat" cmpd="sng" algn="ctr">
-          <a:solidFill>
-            <a:schemeClr val="phClr"/>
-          </a:solidFill>
-          <a:prstDash val="solid"/>
-          <a:miter lim="800000"/>
         </a:ln>
         <a:ln w="19050" cap="flat" cmpd="sng" algn="ctr">
           <a:solidFill>
             <a:schemeClr val="phClr"/>
           </a:solidFill>
           <a:prstDash val="solid"/>
-          <a:miter lim="800000"/>
+        </a:ln>
+        <a:ln w="53975" cap="flat" cmpd="dbl" algn="ctr">
+          <a:solidFill>
+            <a:schemeClr val="phClr"/>
+          </a:solidFill>
+          <a:prstDash val="solid"/>
         </a:ln>
       </a:lnStyleLst>
       <a:effectStyleLst>
@@ -4197,16 +4348,37 @@
           <a:effectLst/>
         </a:effectStyle>
         <a:effectStyle>
-          <a:effectLst/>
+          <a:effectLst>
+            <a:outerShdw blurRad="38100" dist="25400" dir="5400000" rotWithShape="0">
+              <a:srgbClr val="000000">
+                <a:alpha val="45000"/>
+              </a:srgbClr>
+            </a:outerShdw>
+          </a:effectLst>
         </a:effectStyle>
         <a:effectStyle>
           <a:effectLst>
-            <a:outerShdw blurRad="57150" dist="19050" dir="5400000" algn="ctr" rotWithShape="0">
+            <a:outerShdw blurRad="38100" dist="25400" dir="5400000" rotWithShape="0">
               <a:srgbClr val="000000">
-                <a:alpha val="63000"/>
+                <a:alpha val="45000"/>
               </a:srgbClr>
             </a:outerShdw>
           </a:effectLst>
+          <a:scene3d>
+            <a:camera prst="orthographicFront">
+              <a:rot lat="0" lon="0" rev="0"/>
+            </a:camera>
+            <a:lightRig rig="brightRoom" dir="t"/>
+          </a:scene3d>
+          <a:sp3d extrusionH="12700" contourW="25400" prstMaterial="flat">
+            <a:bevelT w="63500" h="152400" prst="angle"/>
+            <a:contourClr>
+              <a:schemeClr val="phClr">
+                <a:shade val="27000"/>
+                <a:satMod val="120000"/>
+              </a:schemeClr>
+            </a:contourClr>
+          </a:sp3d>
         </a:effectStyle>
       </a:effectStyleLst>
       <a:bgFillStyleLst>
@@ -4216,36 +4388,18 @@
         <a:solidFill>
           <a:schemeClr val="phClr">
             <a:tint val="95000"/>
-            <a:satMod val="170000"/>
+            <a:shade val="95000"/>
+            <a:satMod val="140000"/>
           </a:schemeClr>
         </a:solidFill>
-        <a:gradFill rotWithShape="1">
-          <a:gsLst>
-            <a:gs pos="0">
-              <a:schemeClr val="phClr">
-                <a:tint val="93000"/>
-                <a:satMod val="150000"/>
-                <a:shade val="98000"/>
-                <a:lumMod val="102000"/>
-              </a:schemeClr>
-            </a:gs>
-            <a:gs pos="50000">
-              <a:schemeClr val="phClr">
-                <a:tint val="98000"/>
-                <a:satMod val="130000"/>
-                <a:shade val="90000"/>
-                <a:lumMod val="103000"/>
-              </a:schemeClr>
-            </a:gs>
-            <a:gs pos="100000">
-              <a:schemeClr val="phClr">
-                <a:shade val="63000"/>
-                <a:satMod val="120000"/>
-              </a:schemeClr>
-            </a:gs>
-          </a:gsLst>
-          <a:lin ang="5400000" scaled="0"/>
-        </a:gradFill>
+        <a:solidFill>
+          <a:schemeClr val="phClr">
+            <a:tint val="90000"/>
+            <a:shade val="85000"/>
+            <a:satMod val="160000"/>
+            <a:lumMod val="110000"/>
+          </a:schemeClr>
+        </a:solidFill>
       </a:bgFillStyleLst>
     </a:fmtScheme>
   </a:themeElements>
@@ -4253,7 +4407,7 @@
   <a:extraClrSchemeLst/>
   <a:extLst>
     <a:ext uri="{05A4C25C-085E-4340-85A3-A5531E510DB2}">
-      <thm15:themeFamily xmlns:thm15="http://schemas.microsoft.com/office/thememl/2012/main" name="Office Theme" id="{62F939B6-93AF-4DB8-9C6B-D6C7DFDC589F}" vid="{4A3C46E8-61CC-4603-A589-7422A47A8E4A}"/>
+      <thm15:themeFamily xmlns:thm15="http://schemas.microsoft.com/office/thememl/2012/main" name="Basis" id="{5665723A-49BA-4B57-8411-A56F8F207965}" vid="{90E45F77-AEFC-46EF-A7C1-5B338C297B02}"/>
     </a:ext>
   </a:extLst>
 </a:theme>
